--- a/PEPM2013/extension.pptx
+++ b/PEPM2013/extension.pptx
@@ -4,10 +4,13 @@
   <p:sldMasterIdLst>
     <p:sldMasterId id="2147483648" r:id="rId1"/>
   </p:sldMasterIdLst>
+  <p:notesMasterIdLst>
+    <p:notesMasterId r:id="rId3"/>
+  </p:notesMasterIdLst>
   <p:sldIdLst>
     <p:sldId id="257" r:id="rId2"/>
   </p:sldIdLst>
-  <p:sldSz cx="9001125" cy="5400675"/>
+  <p:sldSz cx="7920038" cy="4716463"/>
   <p:notesSz cx="7099300" cy="10234613"/>
   <p:defaultTextStyle>
     <a:defPPr>
@@ -104,7 +107,494 @@
       </a:defRPr>
     </a:lvl9pPr>
   </p:defaultTextStyle>
+  <p:extLst>
+    <p:ext uri="{EFAFB233-063F-42B5-8137-9DF3F51BA10A}">
+      <p15:sldGuideLst xmlns:p15="http://schemas.microsoft.com/office/powerpoint/2012/main">
+        <p15:guide id="1" orient="horz" pos="1486" userDrawn="1">
+          <p15:clr>
+            <a:srgbClr val="A4A3A4"/>
+          </p15:clr>
+        </p15:guide>
+        <p15:guide id="2" pos="2495" userDrawn="1">
+          <p15:clr>
+            <a:srgbClr val="A4A3A4"/>
+          </p15:clr>
+        </p15:guide>
+      </p15:sldGuideLst>
+    </p:ext>
+  </p:extLst>
 </p:presentation>
+</file>
+
+<file path=ppt/notesMasters/notesMaster1.xml><?xml version="1.0" encoding="utf-8"?>
+<p:notesMaster xmlns:a="http://schemas.openxmlformats.org/drawingml/2006/main" xmlns:r="http://schemas.openxmlformats.org/officeDocument/2006/relationships" xmlns:p="http://schemas.openxmlformats.org/presentationml/2006/main">
+  <p:cSld>
+    <p:bg>
+      <p:bgRef idx="1001">
+        <a:schemeClr val="bg1"/>
+      </p:bgRef>
+    </p:bg>
+    <p:spTree>
+      <p:nvGrpSpPr>
+        <p:cNvPr id="1" name=""/>
+        <p:cNvGrpSpPr/>
+        <p:nvPr/>
+      </p:nvGrpSpPr>
+      <p:grpSpPr>
+        <a:xfrm>
+          <a:off x="0" y="0"/>
+          <a:ext cx="0" cy="0"/>
+          <a:chOff x="0" y="0"/>
+          <a:chExt cx="0" cy="0"/>
+        </a:xfrm>
+      </p:grpSpPr>
+      <p:sp>
+        <p:nvSpPr>
+          <p:cNvPr id="2" name="ヘッダー プレースホルダー 1"/>
+          <p:cNvSpPr>
+            <a:spLocks noGrp="1"/>
+          </p:cNvSpPr>
+          <p:nvPr>
+            <p:ph type="hdr" sz="quarter"/>
+          </p:nvPr>
+        </p:nvSpPr>
+        <p:spPr>
+          <a:xfrm>
+            <a:off x="0" y="0"/>
+            <a:ext cx="3076575" cy="512763"/>
+          </a:xfrm>
+          <a:prstGeom prst="rect">
+            <a:avLst/>
+          </a:prstGeom>
+        </p:spPr>
+        <p:txBody>
+          <a:bodyPr vert="horz" lIns="91440" tIns="45720" rIns="91440" bIns="45720" rtlCol="0"/>
+          <a:lstStyle>
+            <a:lvl1pPr algn="l">
+              <a:defRPr sz="1200"/>
+            </a:lvl1pPr>
+          </a:lstStyle>
+          <a:p>
+            <a:endParaRPr kumimoji="1" lang="ja-JP" altLang="en-US"/>
+          </a:p>
+        </p:txBody>
+      </p:sp>
+      <p:sp>
+        <p:nvSpPr>
+          <p:cNvPr id="3" name="日付プレースホルダー 2"/>
+          <p:cNvSpPr>
+            <a:spLocks noGrp="1"/>
+          </p:cNvSpPr>
+          <p:nvPr>
+            <p:ph type="dt" idx="1"/>
+          </p:nvPr>
+        </p:nvSpPr>
+        <p:spPr>
+          <a:xfrm>
+            <a:off x="4021138" y="0"/>
+            <a:ext cx="3076575" cy="512763"/>
+          </a:xfrm>
+          <a:prstGeom prst="rect">
+            <a:avLst/>
+          </a:prstGeom>
+        </p:spPr>
+        <p:txBody>
+          <a:bodyPr vert="horz" lIns="91440" tIns="45720" rIns="91440" bIns="45720" rtlCol="0"/>
+          <a:lstStyle>
+            <a:lvl1pPr algn="r">
+              <a:defRPr sz="1200"/>
+            </a:lvl1pPr>
+          </a:lstStyle>
+          <a:p>
+            <a:fld id="{EE9E6137-455F-465B-A1FF-E343A4BD6CBE}" type="datetimeFigureOut">
+              <a:rPr kumimoji="1" lang="ja-JP" altLang="en-US" smtClean="0"/>
+              <a:t>2012/10/5</a:t>
+            </a:fld>
+            <a:endParaRPr kumimoji="1" lang="ja-JP" altLang="en-US"/>
+          </a:p>
+        </p:txBody>
+      </p:sp>
+      <p:sp>
+        <p:nvSpPr>
+          <p:cNvPr id="4" name="スライド イメージ プレースホルダー 3"/>
+          <p:cNvSpPr>
+            <a:spLocks noGrp="1" noRot="1" noChangeAspect="1"/>
+          </p:cNvSpPr>
+          <p:nvPr>
+            <p:ph type="sldImg" idx="2"/>
+          </p:nvPr>
+        </p:nvSpPr>
+        <p:spPr>
+          <a:xfrm>
+            <a:off x="649288" y="1279525"/>
+            <a:ext cx="5800725" cy="3454400"/>
+          </a:xfrm>
+          <a:prstGeom prst="rect">
+            <a:avLst/>
+          </a:prstGeom>
+          <a:noFill/>
+          <a:ln w="12700">
+            <a:solidFill>
+              <a:prstClr val="black"/>
+            </a:solidFill>
+          </a:ln>
+        </p:spPr>
+        <p:txBody>
+          <a:bodyPr vert="horz" lIns="91440" tIns="45720" rIns="91440" bIns="45720" rtlCol="0" anchor="ctr"/>
+          <a:lstStyle/>
+          <a:p>
+            <a:endParaRPr lang="ja-JP" altLang="en-US"/>
+          </a:p>
+        </p:txBody>
+      </p:sp>
+      <p:sp>
+        <p:nvSpPr>
+          <p:cNvPr id="5" name="ノート プレースホルダー 4"/>
+          <p:cNvSpPr>
+            <a:spLocks noGrp="1"/>
+          </p:cNvSpPr>
+          <p:nvPr>
+            <p:ph type="body" sz="quarter" idx="3"/>
+          </p:nvPr>
+        </p:nvSpPr>
+        <p:spPr>
+          <a:xfrm>
+            <a:off x="709613" y="4926013"/>
+            <a:ext cx="5680075" cy="4029075"/>
+          </a:xfrm>
+          <a:prstGeom prst="rect">
+            <a:avLst/>
+          </a:prstGeom>
+        </p:spPr>
+        <p:txBody>
+          <a:bodyPr vert="horz" lIns="91440" tIns="45720" rIns="91440" bIns="45720" rtlCol="0"/>
+          <a:lstStyle/>
+          <a:p>
+            <a:pPr lvl="0"/>
+            <a:r>
+              <a:rPr kumimoji="1" lang="ja-JP" altLang="en-US" smtClean="0"/>
+              <a:t>マスター テキストの書式設定</a:t>
+            </a:r>
+          </a:p>
+          <a:p>
+            <a:pPr lvl="1"/>
+            <a:r>
+              <a:rPr kumimoji="1" lang="ja-JP" altLang="en-US" smtClean="0"/>
+              <a:t>第 </a:t>
+            </a:r>
+            <a:r>
+              <a:rPr kumimoji="1" lang="en-US" altLang="ja-JP" smtClean="0"/>
+              <a:t>2 </a:t>
+            </a:r>
+            <a:r>
+              <a:rPr kumimoji="1" lang="ja-JP" altLang="en-US" smtClean="0"/>
+              <a:t>レベル</a:t>
+            </a:r>
+          </a:p>
+          <a:p>
+            <a:pPr lvl="2"/>
+            <a:r>
+              <a:rPr kumimoji="1" lang="ja-JP" altLang="en-US" smtClean="0"/>
+              <a:t>第 </a:t>
+            </a:r>
+            <a:r>
+              <a:rPr kumimoji="1" lang="en-US" altLang="ja-JP" smtClean="0"/>
+              <a:t>3 </a:t>
+            </a:r>
+            <a:r>
+              <a:rPr kumimoji="1" lang="ja-JP" altLang="en-US" smtClean="0"/>
+              <a:t>レベル</a:t>
+            </a:r>
+          </a:p>
+          <a:p>
+            <a:pPr lvl="3"/>
+            <a:r>
+              <a:rPr kumimoji="1" lang="ja-JP" altLang="en-US" smtClean="0"/>
+              <a:t>第 </a:t>
+            </a:r>
+            <a:r>
+              <a:rPr kumimoji="1" lang="en-US" altLang="ja-JP" smtClean="0"/>
+              <a:t>4 </a:t>
+            </a:r>
+            <a:r>
+              <a:rPr kumimoji="1" lang="ja-JP" altLang="en-US" smtClean="0"/>
+              <a:t>レベル</a:t>
+            </a:r>
+          </a:p>
+          <a:p>
+            <a:pPr lvl="4"/>
+            <a:r>
+              <a:rPr kumimoji="1" lang="ja-JP" altLang="en-US" smtClean="0"/>
+              <a:t>第 </a:t>
+            </a:r>
+            <a:r>
+              <a:rPr kumimoji="1" lang="en-US" altLang="ja-JP" smtClean="0"/>
+              <a:t>5 </a:t>
+            </a:r>
+            <a:r>
+              <a:rPr kumimoji="1" lang="ja-JP" altLang="en-US" smtClean="0"/>
+              <a:t>レベル</a:t>
+            </a:r>
+            <a:endParaRPr kumimoji="1" lang="ja-JP" altLang="en-US"/>
+          </a:p>
+        </p:txBody>
+      </p:sp>
+      <p:sp>
+        <p:nvSpPr>
+          <p:cNvPr id="6" name="フッター プレースホルダー 5"/>
+          <p:cNvSpPr>
+            <a:spLocks noGrp="1"/>
+          </p:cNvSpPr>
+          <p:nvPr>
+            <p:ph type="ftr" sz="quarter" idx="4"/>
+          </p:nvPr>
+        </p:nvSpPr>
+        <p:spPr>
+          <a:xfrm>
+            <a:off x="0" y="9721850"/>
+            <a:ext cx="3076575" cy="512763"/>
+          </a:xfrm>
+          <a:prstGeom prst="rect">
+            <a:avLst/>
+          </a:prstGeom>
+        </p:spPr>
+        <p:txBody>
+          <a:bodyPr vert="horz" lIns="91440" tIns="45720" rIns="91440" bIns="45720" rtlCol="0" anchor="b"/>
+          <a:lstStyle>
+            <a:lvl1pPr algn="l">
+              <a:defRPr sz="1200"/>
+            </a:lvl1pPr>
+          </a:lstStyle>
+          <a:p>
+            <a:endParaRPr kumimoji="1" lang="ja-JP" altLang="en-US"/>
+          </a:p>
+        </p:txBody>
+      </p:sp>
+      <p:sp>
+        <p:nvSpPr>
+          <p:cNvPr id="7" name="スライド番号プレースホルダー 6"/>
+          <p:cNvSpPr>
+            <a:spLocks noGrp="1"/>
+          </p:cNvSpPr>
+          <p:nvPr>
+            <p:ph type="sldNum" sz="quarter" idx="5"/>
+          </p:nvPr>
+        </p:nvSpPr>
+        <p:spPr>
+          <a:xfrm>
+            <a:off x="4021138" y="9721850"/>
+            <a:ext cx="3076575" cy="512763"/>
+          </a:xfrm>
+          <a:prstGeom prst="rect">
+            <a:avLst/>
+          </a:prstGeom>
+        </p:spPr>
+        <p:txBody>
+          <a:bodyPr vert="horz" lIns="91440" tIns="45720" rIns="91440" bIns="45720" rtlCol="0" anchor="b"/>
+          <a:lstStyle>
+            <a:lvl1pPr algn="r">
+              <a:defRPr sz="1200"/>
+            </a:lvl1pPr>
+          </a:lstStyle>
+          <a:p>
+            <a:fld id="{2A0F71AE-9122-4FA9-BA3F-D912CC825CEB}" type="slidenum">
+              <a:rPr kumimoji="1" lang="ja-JP" altLang="en-US" smtClean="0"/>
+              <a:t>‹#›</a:t>
+            </a:fld>
+            <a:endParaRPr kumimoji="1" lang="ja-JP" altLang="en-US"/>
+          </a:p>
+        </p:txBody>
+      </p:sp>
+    </p:spTree>
+    <p:extLst>
+      <p:ext uri="{BB962C8B-B14F-4D97-AF65-F5344CB8AC3E}">
+        <p14:creationId xmlns:p14="http://schemas.microsoft.com/office/powerpoint/2010/main" val="2781305607"/>
+      </p:ext>
+    </p:extLst>
+  </p:cSld>
+  <p:clrMap bg1="lt1" tx1="dk1" bg2="lt2" tx2="dk2" accent1="accent1" accent2="accent2" accent3="accent3" accent4="accent4" accent5="accent5" accent6="accent6" hlink="hlink" folHlink="folHlink"/>
+  <p:notesStyle>
+    <a:lvl1pPr marL="0" algn="l" defTabSz="914400" rtl="0" eaLnBrk="1" latinLnBrk="0" hangingPunct="1">
+      <a:defRPr kumimoji="1" sz="1200" kern="1200">
+        <a:solidFill>
+          <a:schemeClr val="tx1"/>
+        </a:solidFill>
+        <a:latin typeface="+mn-lt"/>
+        <a:ea typeface="+mn-ea"/>
+        <a:cs typeface="+mn-cs"/>
+      </a:defRPr>
+    </a:lvl1pPr>
+    <a:lvl2pPr marL="457200" algn="l" defTabSz="914400" rtl="0" eaLnBrk="1" latinLnBrk="0" hangingPunct="1">
+      <a:defRPr kumimoji="1" sz="1200" kern="1200">
+        <a:solidFill>
+          <a:schemeClr val="tx1"/>
+        </a:solidFill>
+        <a:latin typeface="+mn-lt"/>
+        <a:ea typeface="+mn-ea"/>
+        <a:cs typeface="+mn-cs"/>
+      </a:defRPr>
+    </a:lvl2pPr>
+    <a:lvl3pPr marL="914400" algn="l" defTabSz="914400" rtl="0" eaLnBrk="1" latinLnBrk="0" hangingPunct="1">
+      <a:defRPr kumimoji="1" sz="1200" kern="1200">
+        <a:solidFill>
+          <a:schemeClr val="tx1"/>
+        </a:solidFill>
+        <a:latin typeface="+mn-lt"/>
+        <a:ea typeface="+mn-ea"/>
+        <a:cs typeface="+mn-cs"/>
+      </a:defRPr>
+    </a:lvl3pPr>
+    <a:lvl4pPr marL="1371600" algn="l" defTabSz="914400" rtl="0" eaLnBrk="1" latinLnBrk="0" hangingPunct="1">
+      <a:defRPr kumimoji="1" sz="1200" kern="1200">
+        <a:solidFill>
+          <a:schemeClr val="tx1"/>
+        </a:solidFill>
+        <a:latin typeface="+mn-lt"/>
+        <a:ea typeface="+mn-ea"/>
+        <a:cs typeface="+mn-cs"/>
+      </a:defRPr>
+    </a:lvl4pPr>
+    <a:lvl5pPr marL="1828800" algn="l" defTabSz="914400" rtl="0" eaLnBrk="1" latinLnBrk="0" hangingPunct="1">
+      <a:defRPr kumimoji="1" sz="1200" kern="1200">
+        <a:solidFill>
+          <a:schemeClr val="tx1"/>
+        </a:solidFill>
+        <a:latin typeface="+mn-lt"/>
+        <a:ea typeface="+mn-ea"/>
+        <a:cs typeface="+mn-cs"/>
+      </a:defRPr>
+    </a:lvl5pPr>
+    <a:lvl6pPr marL="2286000" algn="l" defTabSz="914400" rtl="0" eaLnBrk="1" latinLnBrk="0" hangingPunct="1">
+      <a:defRPr kumimoji="1" sz="1200" kern="1200">
+        <a:solidFill>
+          <a:schemeClr val="tx1"/>
+        </a:solidFill>
+        <a:latin typeface="+mn-lt"/>
+        <a:ea typeface="+mn-ea"/>
+        <a:cs typeface="+mn-cs"/>
+      </a:defRPr>
+    </a:lvl6pPr>
+    <a:lvl7pPr marL="2743200" algn="l" defTabSz="914400" rtl="0" eaLnBrk="1" latinLnBrk="0" hangingPunct="1">
+      <a:defRPr kumimoji="1" sz="1200" kern="1200">
+        <a:solidFill>
+          <a:schemeClr val="tx1"/>
+        </a:solidFill>
+        <a:latin typeface="+mn-lt"/>
+        <a:ea typeface="+mn-ea"/>
+        <a:cs typeface="+mn-cs"/>
+      </a:defRPr>
+    </a:lvl7pPr>
+    <a:lvl8pPr marL="3200400" algn="l" defTabSz="914400" rtl="0" eaLnBrk="1" latinLnBrk="0" hangingPunct="1">
+      <a:defRPr kumimoji="1" sz="1200" kern="1200">
+        <a:solidFill>
+          <a:schemeClr val="tx1"/>
+        </a:solidFill>
+        <a:latin typeface="+mn-lt"/>
+        <a:ea typeface="+mn-ea"/>
+        <a:cs typeface="+mn-cs"/>
+      </a:defRPr>
+    </a:lvl8pPr>
+    <a:lvl9pPr marL="3657600" algn="l" defTabSz="914400" rtl="0" eaLnBrk="1" latinLnBrk="0" hangingPunct="1">
+      <a:defRPr kumimoji="1" sz="1200" kern="1200">
+        <a:solidFill>
+          <a:schemeClr val="tx1"/>
+        </a:solidFill>
+        <a:latin typeface="+mn-lt"/>
+        <a:ea typeface="+mn-ea"/>
+        <a:cs typeface="+mn-cs"/>
+      </a:defRPr>
+    </a:lvl9pPr>
+  </p:notesStyle>
+</p:notesMaster>
+</file>
+
+<file path=ppt/notesSlides/notesSlide1.xml><?xml version="1.0" encoding="utf-8"?>
+<p:notes xmlns:a="http://schemas.openxmlformats.org/drawingml/2006/main" xmlns:r="http://schemas.openxmlformats.org/officeDocument/2006/relationships" xmlns:p="http://schemas.openxmlformats.org/presentationml/2006/main">
+  <p:cSld>
+    <p:spTree>
+      <p:nvGrpSpPr>
+        <p:cNvPr id="1" name=""/>
+        <p:cNvGrpSpPr/>
+        <p:nvPr/>
+      </p:nvGrpSpPr>
+      <p:grpSpPr>
+        <a:xfrm>
+          <a:off x="0" y="0"/>
+          <a:ext cx="0" cy="0"/>
+          <a:chOff x="0" y="0"/>
+          <a:chExt cx="0" cy="0"/>
+        </a:xfrm>
+      </p:grpSpPr>
+      <p:sp>
+        <p:nvSpPr>
+          <p:cNvPr id="2" name="スライド イメージ プレースホルダー 1"/>
+          <p:cNvSpPr>
+            <a:spLocks noGrp="1" noRot="1" noChangeAspect="1"/>
+          </p:cNvSpPr>
+          <p:nvPr>
+            <p:ph type="sldImg"/>
+          </p:nvPr>
+        </p:nvSpPr>
+        <p:spPr>
+          <a:xfrm>
+            <a:off x="649288" y="1279525"/>
+            <a:ext cx="5800725" cy="3454400"/>
+          </a:xfrm>
+        </p:spPr>
+      </p:sp>
+      <p:sp>
+        <p:nvSpPr>
+          <p:cNvPr id="3" name="ノート プレースホルダー 2"/>
+          <p:cNvSpPr>
+            <a:spLocks noGrp="1"/>
+          </p:cNvSpPr>
+          <p:nvPr>
+            <p:ph type="body" idx="1"/>
+          </p:nvPr>
+        </p:nvSpPr>
+        <p:spPr/>
+        <p:txBody>
+          <a:bodyPr/>
+          <a:lstStyle/>
+          <a:p>
+            <a:endParaRPr kumimoji="1" lang="ja-JP" altLang="en-US" dirty="0"/>
+          </a:p>
+        </p:txBody>
+      </p:sp>
+      <p:sp>
+        <p:nvSpPr>
+          <p:cNvPr id="4" name="スライド番号プレースホルダー 3"/>
+          <p:cNvSpPr>
+            <a:spLocks noGrp="1"/>
+          </p:cNvSpPr>
+          <p:nvPr>
+            <p:ph type="sldNum" sz="quarter" idx="10"/>
+          </p:nvPr>
+        </p:nvSpPr>
+        <p:spPr/>
+        <p:txBody>
+          <a:bodyPr/>
+          <a:lstStyle/>
+          <a:p>
+            <a:fld id="{2A0F71AE-9122-4FA9-BA3F-D912CC825CEB}" type="slidenum">
+              <a:rPr kumimoji="1" lang="ja-JP" altLang="en-US" smtClean="0"/>
+              <a:t>1</a:t>
+            </a:fld>
+            <a:endParaRPr kumimoji="1" lang="ja-JP" altLang="en-US"/>
+          </a:p>
+        </p:txBody>
+      </p:sp>
+    </p:spTree>
+    <p:extLst>
+      <p:ext uri="{BB962C8B-B14F-4D97-AF65-F5344CB8AC3E}">
+        <p14:creationId xmlns:p14="http://schemas.microsoft.com/office/powerpoint/2010/main" val="3033039308"/>
+      </p:ext>
+    </p:extLst>
+  </p:cSld>
+  <p:clrMapOvr>
+    <a:masterClrMapping/>
+  </p:clrMapOvr>
+</p:notes>
 </file>
 
 <file path=ppt/slideLayouts/slideLayout1.xml><?xml version="1.0" encoding="utf-8"?>
@@ -136,8 +626,8 @@
         </p:nvSpPr>
         <p:spPr>
           <a:xfrm>
-            <a:off x="675088" y="1677719"/>
-            <a:ext cx="7650956" cy="1157644"/>
+            <a:off x="594006" y="1465168"/>
+            <a:ext cx="6732032" cy="1010982"/>
           </a:xfrm>
         </p:spPr>
         <p:txBody>
@@ -164,8 +654,8 @@
         </p:nvSpPr>
         <p:spPr>
           <a:xfrm>
-            <a:off x="1350171" y="3060383"/>
-            <a:ext cx="6300788" cy="1380173"/>
+            <a:off x="1188009" y="2672664"/>
+            <a:ext cx="5544026" cy="1205318"/>
           </a:xfrm>
         </p:spPr>
         <p:txBody>
@@ -181,7 +671,7 @@
                 </a:solidFill>
               </a:defRPr>
             </a:lvl1pPr>
-            <a:lvl2pPr marL="431929" indent="0" algn="ctr">
+            <a:lvl2pPr marL="475165" indent="0" algn="ctr">
               <a:buNone/>
               <a:defRPr>
                 <a:solidFill>
@@ -191,7 +681,7 @@
                 </a:solidFill>
               </a:defRPr>
             </a:lvl2pPr>
-            <a:lvl3pPr marL="863858" indent="0" algn="ctr">
+            <a:lvl3pPr marL="950330" indent="0" algn="ctr">
               <a:buNone/>
               <a:defRPr>
                 <a:solidFill>
@@ -201,7 +691,7 @@
                 </a:solidFill>
               </a:defRPr>
             </a:lvl3pPr>
-            <a:lvl4pPr marL="1295786" indent="0" algn="ctr">
+            <a:lvl4pPr marL="1425494" indent="0" algn="ctr">
               <a:buNone/>
               <a:defRPr>
                 <a:solidFill>
@@ -211,7 +701,7 @@
                 </a:solidFill>
               </a:defRPr>
             </a:lvl4pPr>
-            <a:lvl5pPr marL="1727715" indent="0" algn="ctr">
+            <a:lvl5pPr marL="1900659" indent="0" algn="ctr">
               <a:buNone/>
               <a:defRPr>
                 <a:solidFill>
@@ -221,7 +711,7 @@
                 </a:solidFill>
               </a:defRPr>
             </a:lvl5pPr>
-            <a:lvl6pPr marL="2159645" indent="0" algn="ctr">
+            <a:lvl6pPr marL="2375825" indent="0" algn="ctr">
               <a:buNone/>
               <a:defRPr>
                 <a:solidFill>
@@ -231,7 +721,7 @@
                 </a:solidFill>
               </a:defRPr>
             </a:lvl6pPr>
-            <a:lvl7pPr marL="2591574" indent="0" algn="ctr">
+            <a:lvl7pPr marL="2850991" indent="0" algn="ctr">
               <a:buNone/>
               <a:defRPr>
                 <a:solidFill>
@@ -241,7 +731,7 @@
                 </a:solidFill>
               </a:defRPr>
             </a:lvl7pPr>
-            <a:lvl8pPr marL="3023503" indent="0" algn="ctr">
+            <a:lvl8pPr marL="3326156" indent="0" algn="ctr">
               <a:buNone/>
               <a:defRPr>
                 <a:solidFill>
@@ -251,7 +741,7 @@
                 </a:solidFill>
               </a:defRPr>
             </a:lvl8pPr>
-            <a:lvl9pPr marL="3455431" indent="0" algn="ctr">
+            <a:lvl9pPr marL="3801320" indent="0" algn="ctr">
               <a:buNone/>
               <a:defRPr>
                 <a:solidFill>
@@ -289,7 +779,7 @@
             <a:fld id="{93281789-98A6-4526-8BB2-AB6D89D147DD}" type="datetimeFigureOut">
               <a:rPr kumimoji="1" lang="ja-JP" altLang="en-US" smtClean="0"/>
               <a:pPr/>
-              <a:t>2012/6/13</a:t>
+              <a:t>2012/10/5</a:t>
             </a:fld>
             <a:endParaRPr kumimoji="1" lang="ja-JP" altLang="en-US"/>
           </a:p>
@@ -488,7 +978,7 @@
             <a:fld id="{93281789-98A6-4526-8BB2-AB6D89D147DD}" type="datetimeFigureOut">
               <a:rPr kumimoji="1" lang="ja-JP" altLang="en-US" smtClean="0"/>
               <a:pPr/>
-              <a:t>2012/6/13</a:t>
+              <a:t>2012/10/5</a:t>
             </a:fld>
             <a:endParaRPr kumimoji="1" lang="ja-JP" altLang="en-US"/>
           </a:p>
@@ -574,8 +1064,8 @@
         </p:nvSpPr>
         <p:spPr>
           <a:xfrm>
-            <a:off x="6525819" y="216286"/>
-            <a:ext cx="2025254" cy="4608075"/>
+            <a:off x="5742031" y="188884"/>
+            <a:ext cx="1782009" cy="4024278"/>
           </a:xfrm>
         </p:spPr>
         <p:txBody>
@@ -602,8 +1092,8 @@
         </p:nvSpPr>
         <p:spPr>
           <a:xfrm>
-            <a:off x="450060" y="216286"/>
-            <a:ext cx="5925741" cy="4608075"/>
+            <a:off x="396008" y="188884"/>
+            <a:ext cx="5214025" cy="4024278"/>
           </a:xfrm>
         </p:spPr>
         <p:txBody>
@@ -697,7 +1187,7 @@
             <a:fld id="{93281789-98A6-4526-8BB2-AB6D89D147DD}" type="datetimeFigureOut">
               <a:rPr kumimoji="1" lang="ja-JP" altLang="en-US" smtClean="0"/>
               <a:pPr/>
-              <a:t>2012/6/13</a:t>
+              <a:t>2012/10/5</a:t>
             </a:fld>
             <a:endParaRPr kumimoji="1" lang="ja-JP" altLang="en-US"/>
           </a:p>
@@ -896,7 +1386,7 @@
             <a:fld id="{93281789-98A6-4526-8BB2-AB6D89D147DD}" type="datetimeFigureOut">
               <a:rPr kumimoji="1" lang="ja-JP" altLang="en-US" smtClean="0"/>
               <a:pPr/>
-              <a:t>2012/6/13</a:t>
+              <a:t>2012/10/5</a:t>
             </a:fld>
             <a:endParaRPr kumimoji="1" lang="ja-JP" altLang="en-US"/>
           </a:p>
@@ -982,15 +1472,15 @@
         </p:nvSpPr>
         <p:spPr>
           <a:xfrm>
-            <a:off x="711031" y="3470441"/>
-            <a:ext cx="7650956" cy="1072634"/>
+            <a:off x="625632" y="3030771"/>
+            <a:ext cx="6732032" cy="936742"/>
           </a:xfrm>
         </p:spPr>
         <p:txBody>
           <a:bodyPr anchor="t"/>
           <a:lstStyle>
             <a:lvl1pPr algn="l">
-              <a:defRPr sz="3800" b="1" cap="all"/>
+              <a:defRPr sz="4180" b="1" cap="all"/>
             </a:lvl1pPr>
           </a:lstStyle>
           <a:p>
@@ -1014,8 +1504,8 @@
         </p:nvSpPr>
         <p:spPr>
           <a:xfrm>
-            <a:off x="711031" y="2289044"/>
-            <a:ext cx="7650956" cy="1181397"/>
+            <a:off x="625632" y="1999045"/>
+            <a:ext cx="6732032" cy="1031726"/>
           </a:xfrm>
         </p:spPr>
         <p:txBody>
@@ -1023,7 +1513,7 @@
           <a:lstStyle>
             <a:lvl1pPr marL="0" indent="0">
               <a:buNone/>
-              <a:defRPr sz="1900">
+              <a:defRPr sz="2090">
                 <a:solidFill>
                   <a:schemeClr val="tx1">
                     <a:tint val="75000"/>
@@ -1031,9 +1521,9 @@
                 </a:solidFill>
               </a:defRPr>
             </a:lvl1pPr>
-            <a:lvl2pPr marL="431929" indent="0">
-              <a:buNone/>
-              <a:defRPr sz="1700">
+            <a:lvl2pPr marL="475165" indent="0">
+              <a:buNone/>
+              <a:defRPr sz="1870">
                 <a:solidFill>
                   <a:schemeClr val="tx1">
                     <a:tint val="75000"/>
@@ -1041,9 +1531,9 @@
                 </a:solidFill>
               </a:defRPr>
             </a:lvl2pPr>
-            <a:lvl3pPr marL="863858" indent="0">
-              <a:buNone/>
-              <a:defRPr sz="1400">
+            <a:lvl3pPr marL="950330" indent="0">
+              <a:buNone/>
+              <a:defRPr sz="1540">
                 <a:solidFill>
                   <a:schemeClr val="tx1">
                     <a:tint val="75000"/>
@@ -1051,9 +1541,9 @@
                 </a:solidFill>
               </a:defRPr>
             </a:lvl3pPr>
-            <a:lvl4pPr marL="1295786" indent="0">
-              <a:buNone/>
-              <a:defRPr sz="1300">
+            <a:lvl4pPr marL="1425494" indent="0">
+              <a:buNone/>
+              <a:defRPr sz="1430">
                 <a:solidFill>
                   <a:schemeClr val="tx1">
                     <a:tint val="75000"/>
@@ -1061,9 +1551,9 @@
                 </a:solidFill>
               </a:defRPr>
             </a:lvl4pPr>
-            <a:lvl5pPr marL="1727715" indent="0">
-              <a:buNone/>
-              <a:defRPr sz="1300">
+            <a:lvl5pPr marL="1900659" indent="0">
+              <a:buNone/>
+              <a:defRPr sz="1430">
                 <a:solidFill>
                   <a:schemeClr val="tx1">
                     <a:tint val="75000"/>
@@ -1071,9 +1561,9 @@
                 </a:solidFill>
               </a:defRPr>
             </a:lvl5pPr>
-            <a:lvl6pPr marL="2159645" indent="0">
-              <a:buNone/>
-              <a:defRPr sz="1300">
+            <a:lvl6pPr marL="2375825" indent="0">
+              <a:buNone/>
+              <a:defRPr sz="1430">
                 <a:solidFill>
                   <a:schemeClr val="tx1">
                     <a:tint val="75000"/>
@@ -1081,9 +1571,9 @@
                 </a:solidFill>
               </a:defRPr>
             </a:lvl6pPr>
-            <a:lvl7pPr marL="2591574" indent="0">
-              <a:buNone/>
-              <a:defRPr sz="1300">
+            <a:lvl7pPr marL="2850991" indent="0">
+              <a:buNone/>
+              <a:defRPr sz="1430">
                 <a:solidFill>
                   <a:schemeClr val="tx1">
                     <a:tint val="75000"/>
@@ -1091,9 +1581,9 @@
                 </a:solidFill>
               </a:defRPr>
             </a:lvl7pPr>
-            <a:lvl8pPr marL="3023503" indent="0">
-              <a:buNone/>
-              <a:defRPr sz="1300">
+            <a:lvl8pPr marL="3326156" indent="0">
+              <a:buNone/>
+              <a:defRPr sz="1430">
                 <a:solidFill>
                   <a:schemeClr val="tx1">
                     <a:tint val="75000"/>
@@ -1101,9 +1591,9 @@
                 </a:solidFill>
               </a:defRPr>
             </a:lvl8pPr>
-            <a:lvl9pPr marL="3455431" indent="0">
-              <a:buNone/>
-              <a:defRPr sz="1300">
+            <a:lvl9pPr marL="3801320" indent="0">
+              <a:buNone/>
+              <a:defRPr sz="1430">
                 <a:solidFill>
                   <a:schemeClr val="tx1">
                     <a:tint val="75000"/>
@@ -1139,7 +1629,7 @@
             <a:fld id="{93281789-98A6-4526-8BB2-AB6D89D147DD}" type="datetimeFigureOut">
               <a:rPr kumimoji="1" lang="ja-JP" altLang="en-US" smtClean="0"/>
               <a:pPr/>
-              <a:t>2012/6/13</a:t>
+              <a:t>2012/10/5</a:t>
             </a:fld>
             <a:endParaRPr kumimoji="1" lang="ja-JP" altLang="en-US"/>
           </a:p>
@@ -1248,39 +1738,39 @@
         </p:nvSpPr>
         <p:spPr>
           <a:xfrm>
-            <a:off x="450058" y="1260164"/>
-            <a:ext cx="3975499" cy="3564195"/>
+            <a:off x="396006" y="1100516"/>
+            <a:ext cx="3498018" cy="3112647"/>
           </a:xfrm>
         </p:spPr>
         <p:txBody>
           <a:bodyPr/>
           <a:lstStyle>
             <a:lvl1pPr>
-              <a:defRPr sz="2600"/>
+              <a:defRPr sz="2860"/>
             </a:lvl1pPr>
             <a:lvl2pPr>
-              <a:defRPr sz="2200"/>
+              <a:defRPr sz="2420"/>
             </a:lvl2pPr>
             <a:lvl3pPr>
-              <a:defRPr sz="1900"/>
+              <a:defRPr sz="2090"/>
             </a:lvl3pPr>
             <a:lvl4pPr>
-              <a:defRPr sz="1700"/>
+              <a:defRPr sz="1870"/>
             </a:lvl4pPr>
             <a:lvl5pPr>
-              <a:defRPr sz="1700"/>
+              <a:defRPr sz="1870"/>
             </a:lvl5pPr>
             <a:lvl6pPr>
-              <a:defRPr sz="1700"/>
+              <a:defRPr sz="1870"/>
             </a:lvl6pPr>
             <a:lvl7pPr>
-              <a:defRPr sz="1700"/>
+              <a:defRPr sz="1870"/>
             </a:lvl7pPr>
             <a:lvl8pPr>
-              <a:defRPr sz="1700"/>
+              <a:defRPr sz="1870"/>
             </a:lvl8pPr>
             <a:lvl9pPr>
-              <a:defRPr sz="1700"/>
+              <a:defRPr sz="1870"/>
             </a:lvl9pPr>
           </a:lstStyle>
           <a:p>
@@ -1365,39 +1855,39 @@
         </p:nvSpPr>
         <p:spPr>
           <a:xfrm>
-            <a:off x="4575577" y="1260164"/>
-            <a:ext cx="3975499" cy="3564195"/>
+            <a:off x="4026026" y="1100516"/>
+            <a:ext cx="3498018" cy="3112647"/>
           </a:xfrm>
         </p:spPr>
         <p:txBody>
           <a:bodyPr/>
           <a:lstStyle>
             <a:lvl1pPr>
-              <a:defRPr sz="2600"/>
+              <a:defRPr sz="2860"/>
             </a:lvl1pPr>
             <a:lvl2pPr>
-              <a:defRPr sz="2200"/>
+              <a:defRPr sz="2420"/>
             </a:lvl2pPr>
             <a:lvl3pPr>
-              <a:defRPr sz="1900"/>
+              <a:defRPr sz="2090"/>
             </a:lvl3pPr>
             <a:lvl4pPr>
-              <a:defRPr sz="1700"/>
+              <a:defRPr sz="1870"/>
             </a:lvl4pPr>
             <a:lvl5pPr>
-              <a:defRPr sz="1700"/>
+              <a:defRPr sz="1870"/>
             </a:lvl5pPr>
             <a:lvl6pPr>
-              <a:defRPr sz="1700"/>
+              <a:defRPr sz="1870"/>
             </a:lvl6pPr>
             <a:lvl7pPr>
-              <a:defRPr sz="1700"/>
+              <a:defRPr sz="1870"/>
             </a:lvl7pPr>
             <a:lvl8pPr>
-              <a:defRPr sz="1700"/>
+              <a:defRPr sz="1870"/>
             </a:lvl8pPr>
             <a:lvl9pPr>
-              <a:defRPr sz="1700"/>
+              <a:defRPr sz="1870"/>
             </a:lvl9pPr>
           </a:lstStyle>
           <a:p>
@@ -1488,7 +1978,7 @@
             <a:fld id="{93281789-98A6-4526-8BB2-AB6D89D147DD}" type="datetimeFigureOut">
               <a:rPr kumimoji="1" lang="ja-JP" altLang="en-US" smtClean="0"/>
               <a:pPr/>
-              <a:t>2012/6/13</a:t>
+              <a:t>2012/10/5</a:t>
             </a:fld>
             <a:endParaRPr kumimoji="1" lang="ja-JP" altLang="en-US"/>
           </a:p>
@@ -1601,8 +2091,8 @@
         </p:nvSpPr>
         <p:spPr>
           <a:xfrm>
-            <a:off x="450056" y="1208906"/>
-            <a:ext cx="3977060" cy="503813"/>
+            <a:off x="396002" y="1055752"/>
+            <a:ext cx="3499392" cy="439985"/>
           </a:xfrm>
         </p:spPr>
         <p:txBody>
@@ -1610,39 +2100,39 @@
           <a:lstStyle>
             <a:lvl1pPr marL="0" indent="0">
               <a:buNone/>
-              <a:defRPr sz="2200" b="1"/>
+              <a:defRPr sz="2420" b="1"/>
             </a:lvl1pPr>
-            <a:lvl2pPr marL="431929" indent="0">
-              <a:buNone/>
-              <a:defRPr sz="1900" b="1"/>
+            <a:lvl2pPr marL="475165" indent="0">
+              <a:buNone/>
+              <a:defRPr sz="2090" b="1"/>
             </a:lvl2pPr>
-            <a:lvl3pPr marL="863858" indent="0">
-              <a:buNone/>
-              <a:defRPr sz="1700" b="1"/>
+            <a:lvl3pPr marL="950330" indent="0">
+              <a:buNone/>
+              <a:defRPr sz="1870" b="1"/>
             </a:lvl3pPr>
-            <a:lvl4pPr marL="1295786" indent="0">
-              <a:buNone/>
-              <a:defRPr sz="1400" b="1"/>
+            <a:lvl4pPr marL="1425494" indent="0">
+              <a:buNone/>
+              <a:defRPr sz="1540" b="1"/>
             </a:lvl4pPr>
-            <a:lvl5pPr marL="1727715" indent="0">
-              <a:buNone/>
-              <a:defRPr sz="1400" b="1"/>
+            <a:lvl5pPr marL="1900659" indent="0">
+              <a:buNone/>
+              <a:defRPr sz="1540" b="1"/>
             </a:lvl5pPr>
-            <a:lvl6pPr marL="2159645" indent="0">
-              <a:buNone/>
-              <a:defRPr sz="1400" b="1"/>
+            <a:lvl6pPr marL="2375825" indent="0">
+              <a:buNone/>
+              <a:defRPr sz="1540" b="1"/>
             </a:lvl6pPr>
-            <a:lvl7pPr marL="2591574" indent="0">
-              <a:buNone/>
-              <a:defRPr sz="1400" b="1"/>
+            <a:lvl7pPr marL="2850991" indent="0">
+              <a:buNone/>
+              <a:defRPr sz="1540" b="1"/>
             </a:lvl7pPr>
-            <a:lvl8pPr marL="3023503" indent="0">
-              <a:buNone/>
-              <a:defRPr sz="1400" b="1"/>
+            <a:lvl8pPr marL="3326156" indent="0">
+              <a:buNone/>
+              <a:defRPr sz="1540" b="1"/>
             </a:lvl8pPr>
-            <a:lvl9pPr marL="3455431" indent="0">
-              <a:buNone/>
-              <a:defRPr sz="1400" b="1"/>
+            <a:lvl9pPr marL="3801320" indent="0">
+              <a:buNone/>
+              <a:defRPr sz="1540" b="1"/>
             </a:lvl9pPr>
           </a:lstStyle>
           <a:p>
@@ -1666,39 +2156,39 @@
         </p:nvSpPr>
         <p:spPr>
           <a:xfrm>
-            <a:off x="450056" y="1712716"/>
-            <a:ext cx="3977060" cy="3111639"/>
+            <a:off x="396002" y="1495735"/>
+            <a:ext cx="3499392" cy="2717425"/>
           </a:xfrm>
         </p:spPr>
         <p:txBody>
           <a:bodyPr/>
           <a:lstStyle>
             <a:lvl1pPr>
-              <a:defRPr sz="2200"/>
+              <a:defRPr sz="2420"/>
             </a:lvl1pPr>
             <a:lvl2pPr>
-              <a:defRPr sz="1900"/>
+              <a:defRPr sz="2090"/>
             </a:lvl2pPr>
             <a:lvl3pPr>
-              <a:defRPr sz="1700"/>
+              <a:defRPr sz="1870"/>
             </a:lvl3pPr>
             <a:lvl4pPr>
-              <a:defRPr sz="1400"/>
+              <a:defRPr sz="1540"/>
             </a:lvl4pPr>
             <a:lvl5pPr>
-              <a:defRPr sz="1400"/>
+              <a:defRPr sz="1540"/>
             </a:lvl5pPr>
             <a:lvl6pPr>
-              <a:defRPr sz="1400"/>
+              <a:defRPr sz="1540"/>
             </a:lvl6pPr>
             <a:lvl7pPr>
-              <a:defRPr sz="1400"/>
+              <a:defRPr sz="1540"/>
             </a:lvl7pPr>
             <a:lvl8pPr>
-              <a:defRPr sz="1400"/>
+              <a:defRPr sz="1540"/>
             </a:lvl8pPr>
             <a:lvl9pPr>
-              <a:defRPr sz="1400"/>
+              <a:defRPr sz="1540"/>
             </a:lvl9pPr>
           </a:lstStyle>
           <a:p>
@@ -1783,8 +2273,8 @@
         </p:nvSpPr>
         <p:spPr>
           <a:xfrm>
-            <a:off x="4572452" y="1208906"/>
-            <a:ext cx="3978623" cy="503813"/>
+            <a:off x="4023276" y="1055752"/>
+            <a:ext cx="3500768" cy="439985"/>
           </a:xfrm>
         </p:spPr>
         <p:txBody>
@@ -1792,39 +2282,39 @@
           <a:lstStyle>
             <a:lvl1pPr marL="0" indent="0">
               <a:buNone/>
-              <a:defRPr sz="2200" b="1"/>
+              <a:defRPr sz="2420" b="1"/>
             </a:lvl1pPr>
-            <a:lvl2pPr marL="431929" indent="0">
-              <a:buNone/>
-              <a:defRPr sz="1900" b="1"/>
+            <a:lvl2pPr marL="475165" indent="0">
+              <a:buNone/>
+              <a:defRPr sz="2090" b="1"/>
             </a:lvl2pPr>
-            <a:lvl3pPr marL="863858" indent="0">
-              <a:buNone/>
-              <a:defRPr sz="1700" b="1"/>
+            <a:lvl3pPr marL="950330" indent="0">
+              <a:buNone/>
+              <a:defRPr sz="1870" b="1"/>
             </a:lvl3pPr>
-            <a:lvl4pPr marL="1295786" indent="0">
-              <a:buNone/>
-              <a:defRPr sz="1400" b="1"/>
+            <a:lvl4pPr marL="1425494" indent="0">
+              <a:buNone/>
+              <a:defRPr sz="1540" b="1"/>
             </a:lvl4pPr>
-            <a:lvl5pPr marL="1727715" indent="0">
-              <a:buNone/>
-              <a:defRPr sz="1400" b="1"/>
+            <a:lvl5pPr marL="1900659" indent="0">
+              <a:buNone/>
+              <a:defRPr sz="1540" b="1"/>
             </a:lvl5pPr>
-            <a:lvl6pPr marL="2159645" indent="0">
-              <a:buNone/>
-              <a:defRPr sz="1400" b="1"/>
+            <a:lvl6pPr marL="2375825" indent="0">
+              <a:buNone/>
+              <a:defRPr sz="1540" b="1"/>
             </a:lvl6pPr>
-            <a:lvl7pPr marL="2591574" indent="0">
-              <a:buNone/>
-              <a:defRPr sz="1400" b="1"/>
+            <a:lvl7pPr marL="2850991" indent="0">
+              <a:buNone/>
+              <a:defRPr sz="1540" b="1"/>
             </a:lvl7pPr>
-            <a:lvl8pPr marL="3023503" indent="0">
-              <a:buNone/>
-              <a:defRPr sz="1400" b="1"/>
+            <a:lvl8pPr marL="3326156" indent="0">
+              <a:buNone/>
+              <a:defRPr sz="1540" b="1"/>
             </a:lvl8pPr>
-            <a:lvl9pPr marL="3455431" indent="0">
-              <a:buNone/>
-              <a:defRPr sz="1400" b="1"/>
+            <a:lvl9pPr marL="3801320" indent="0">
+              <a:buNone/>
+              <a:defRPr sz="1540" b="1"/>
             </a:lvl9pPr>
           </a:lstStyle>
           <a:p>
@@ -1848,39 +2338,39 @@
         </p:nvSpPr>
         <p:spPr>
           <a:xfrm>
-            <a:off x="4572452" y="1712716"/>
-            <a:ext cx="3978623" cy="3111639"/>
+            <a:off x="4023276" y="1495735"/>
+            <a:ext cx="3500768" cy="2717425"/>
           </a:xfrm>
         </p:spPr>
         <p:txBody>
           <a:bodyPr/>
           <a:lstStyle>
             <a:lvl1pPr>
-              <a:defRPr sz="2200"/>
+              <a:defRPr sz="2420"/>
             </a:lvl1pPr>
             <a:lvl2pPr>
-              <a:defRPr sz="1900"/>
+              <a:defRPr sz="2090"/>
             </a:lvl2pPr>
             <a:lvl3pPr>
-              <a:defRPr sz="1700"/>
+              <a:defRPr sz="1870"/>
             </a:lvl3pPr>
             <a:lvl4pPr>
-              <a:defRPr sz="1400"/>
+              <a:defRPr sz="1540"/>
             </a:lvl4pPr>
             <a:lvl5pPr>
-              <a:defRPr sz="1400"/>
+              <a:defRPr sz="1540"/>
             </a:lvl5pPr>
             <a:lvl6pPr>
-              <a:defRPr sz="1400"/>
+              <a:defRPr sz="1540"/>
             </a:lvl6pPr>
             <a:lvl7pPr>
-              <a:defRPr sz="1400"/>
+              <a:defRPr sz="1540"/>
             </a:lvl7pPr>
             <a:lvl8pPr>
-              <a:defRPr sz="1400"/>
+              <a:defRPr sz="1540"/>
             </a:lvl8pPr>
             <a:lvl9pPr>
-              <a:defRPr sz="1400"/>
+              <a:defRPr sz="1540"/>
             </a:lvl9pPr>
           </a:lstStyle>
           <a:p>
@@ -1971,7 +2461,7 @@
             <a:fld id="{93281789-98A6-4526-8BB2-AB6D89D147DD}" type="datetimeFigureOut">
               <a:rPr kumimoji="1" lang="ja-JP" altLang="en-US" smtClean="0"/>
               <a:pPr/>
-              <a:t>2012/6/13</a:t>
+              <a:t>2012/10/5</a:t>
             </a:fld>
             <a:endParaRPr kumimoji="1" lang="ja-JP" altLang="en-US"/>
           </a:p>
@@ -2086,7 +2576,7 @@
             <a:fld id="{93281789-98A6-4526-8BB2-AB6D89D147DD}" type="datetimeFigureOut">
               <a:rPr kumimoji="1" lang="ja-JP" altLang="en-US" smtClean="0"/>
               <a:pPr/>
-              <a:t>2012/6/13</a:t>
+              <a:t>2012/10/5</a:t>
             </a:fld>
             <a:endParaRPr kumimoji="1" lang="ja-JP" altLang="en-US"/>
           </a:p>
@@ -2178,7 +2668,7 @@
             <a:fld id="{93281789-98A6-4526-8BB2-AB6D89D147DD}" type="datetimeFigureOut">
               <a:rPr kumimoji="1" lang="ja-JP" altLang="en-US" smtClean="0"/>
               <a:pPr/>
-              <a:t>2012/6/13</a:t>
+              <a:t>2012/10/5</a:t>
             </a:fld>
             <a:endParaRPr kumimoji="1" lang="ja-JP" altLang="en-US"/>
           </a:p>
@@ -2264,15 +2754,15 @@
         </p:nvSpPr>
         <p:spPr>
           <a:xfrm>
-            <a:off x="450066" y="215031"/>
-            <a:ext cx="2961309" cy="915115"/>
+            <a:off x="396013" y="187791"/>
+            <a:ext cx="2605639" cy="799179"/>
           </a:xfrm>
         </p:spPr>
         <p:txBody>
           <a:bodyPr anchor="b"/>
           <a:lstStyle>
             <a:lvl1pPr algn="l">
-              <a:defRPr sz="1900" b="1"/>
+              <a:defRPr sz="2090" b="1"/>
             </a:lvl1pPr>
           </a:lstStyle>
           <a:p>
@@ -2296,39 +2786,39 @@
         </p:nvSpPr>
         <p:spPr>
           <a:xfrm>
-            <a:off x="3519193" y="215035"/>
-            <a:ext cx="5031880" cy="4609326"/>
+            <a:off x="3096518" y="187793"/>
+            <a:ext cx="4427522" cy="4025370"/>
           </a:xfrm>
         </p:spPr>
         <p:txBody>
           <a:bodyPr/>
           <a:lstStyle>
             <a:lvl1pPr>
-              <a:defRPr sz="3000"/>
+              <a:defRPr sz="3300"/>
             </a:lvl1pPr>
             <a:lvl2pPr>
-              <a:defRPr sz="2600"/>
+              <a:defRPr sz="2860"/>
             </a:lvl2pPr>
             <a:lvl3pPr>
-              <a:defRPr sz="2200"/>
+              <a:defRPr sz="2420"/>
             </a:lvl3pPr>
             <a:lvl4pPr>
-              <a:defRPr sz="1900"/>
+              <a:defRPr sz="2090"/>
             </a:lvl4pPr>
             <a:lvl5pPr>
-              <a:defRPr sz="1900"/>
+              <a:defRPr sz="2090"/>
             </a:lvl5pPr>
             <a:lvl6pPr>
-              <a:defRPr sz="1900"/>
+              <a:defRPr sz="2090"/>
             </a:lvl6pPr>
             <a:lvl7pPr>
-              <a:defRPr sz="1900"/>
+              <a:defRPr sz="2090"/>
             </a:lvl7pPr>
             <a:lvl8pPr>
-              <a:defRPr sz="1900"/>
+              <a:defRPr sz="2090"/>
             </a:lvl8pPr>
             <a:lvl9pPr>
-              <a:defRPr sz="1900"/>
+              <a:defRPr sz="2090"/>
             </a:lvl9pPr>
           </a:lstStyle>
           <a:p>
@@ -2413,8 +2903,8 @@
         </p:nvSpPr>
         <p:spPr>
           <a:xfrm>
-            <a:off x="450066" y="1130144"/>
-            <a:ext cx="2961309" cy="3694212"/>
+            <a:off x="396013" y="986966"/>
+            <a:ext cx="2605639" cy="3226192"/>
           </a:xfrm>
         </p:spPr>
         <p:txBody>
@@ -2422,39 +2912,39 @@
           <a:lstStyle>
             <a:lvl1pPr marL="0" indent="0">
               <a:buNone/>
-              <a:defRPr sz="1300"/>
+              <a:defRPr sz="1430"/>
             </a:lvl1pPr>
-            <a:lvl2pPr marL="431929" indent="0">
-              <a:buNone/>
-              <a:defRPr sz="1200"/>
+            <a:lvl2pPr marL="475165" indent="0">
+              <a:buNone/>
+              <a:defRPr sz="1320"/>
             </a:lvl2pPr>
-            <a:lvl3pPr marL="863858" indent="0">
-              <a:buNone/>
-              <a:defRPr sz="900"/>
+            <a:lvl3pPr marL="950330" indent="0">
+              <a:buNone/>
+              <a:defRPr sz="990"/>
             </a:lvl3pPr>
-            <a:lvl4pPr marL="1295786" indent="0">
-              <a:buNone/>
-              <a:defRPr sz="900"/>
+            <a:lvl4pPr marL="1425494" indent="0">
+              <a:buNone/>
+              <a:defRPr sz="990"/>
             </a:lvl4pPr>
-            <a:lvl5pPr marL="1727715" indent="0">
-              <a:buNone/>
-              <a:defRPr sz="900"/>
+            <a:lvl5pPr marL="1900659" indent="0">
+              <a:buNone/>
+              <a:defRPr sz="990"/>
             </a:lvl5pPr>
-            <a:lvl6pPr marL="2159645" indent="0">
-              <a:buNone/>
-              <a:defRPr sz="900"/>
+            <a:lvl6pPr marL="2375825" indent="0">
+              <a:buNone/>
+              <a:defRPr sz="990"/>
             </a:lvl6pPr>
-            <a:lvl7pPr marL="2591574" indent="0">
-              <a:buNone/>
-              <a:defRPr sz="900"/>
+            <a:lvl7pPr marL="2850991" indent="0">
+              <a:buNone/>
+              <a:defRPr sz="990"/>
             </a:lvl7pPr>
-            <a:lvl8pPr marL="3023503" indent="0">
-              <a:buNone/>
-              <a:defRPr sz="900"/>
+            <a:lvl8pPr marL="3326156" indent="0">
+              <a:buNone/>
+              <a:defRPr sz="990"/>
             </a:lvl8pPr>
-            <a:lvl9pPr marL="3455431" indent="0">
-              <a:buNone/>
-              <a:defRPr sz="900"/>
+            <a:lvl9pPr marL="3801320" indent="0">
+              <a:buNone/>
+              <a:defRPr sz="990"/>
             </a:lvl9pPr>
           </a:lstStyle>
           <a:p>
@@ -2484,7 +2974,7 @@
             <a:fld id="{93281789-98A6-4526-8BB2-AB6D89D147DD}" type="datetimeFigureOut">
               <a:rPr kumimoji="1" lang="ja-JP" altLang="en-US" smtClean="0"/>
               <a:pPr/>
-              <a:t>2012/6/13</a:t>
+              <a:t>2012/10/5</a:t>
             </a:fld>
             <a:endParaRPr kumimoji="1" lang="ja-JP" altLang="en-US"/>
           </a:p>
@@ -2570,15 +3060,15 @@
         </p:nvSpPr>
         <p:spPr>
           <a:xfrm>
-            <a:off x="1764285" y="3780479"/>
-            <a:ext cx="5400675" cy="446307"/>
+            <a:off x="1552386" y="3301531"/>
+            <a:ext cx="4752023" cy="389764"/>
           </a:xfrm>
         </p:spPr>
         <p:txBody>
           <a:bodyPr anchor="b"/>
           <a:lstStyle>
             <a:lvl1pPr algn="l">
-              <a:defRPr sz="1900" b="1"/>
+              <a:defRPr sz="2090" b="1"/>
             </a:lvl1pPr>
           </a:lstStyle>
           <a:p>
@@ -2602,8 +3092,8 @@
         </p:nvSpPr>
         <p:spPr>
           <a:xfrm>
-            <a:off x="1764285" y="482563"/>
-            <a:ext cx="5400675" cy="3240405"/>
+            <a:off x="1552386" y="421427"/>
+            <a:ext cx="4752023" cy="2829878"/>
           </a:xfrm>
         </p:spPr>
         <p:txBody>
@@ -2611,39 +3101,39 @@
           <a:lstStyle>
             <a:lvl1pPr marL="0" indent="0">
               <a:buNone/>
-              <a:defRPr sz="3000"/>
+              <a:defRPr sz="3300"/>
             </a:lvl1pPr>
-            <a:lvl2pPr marL="431929" indent="0">
-              <a:buNone/>
-              <a:defRPr sz="2600"/>
+            <a:lvl2pPr marL="475165" indent="0">
+              <a:buNone/>
+              <a:defRPr sz="2860"/>
             </a:lvl2pPr>
-            <a:lvl3pPr marL="863858" indent="0">
-              <a:buNone/>
-              <a:defRPr sz="2200"/>
+            <a:lvl3pPr marL="950330" indent="0">
+              <a:buNone/>
+              <a:defRPr sz="2420"/>
             </a:lvl3pPr>
-            <a:lvl4pPr marL="1295786" indent="0">
-              <a:buNone/>
-              <a:defRPr sz="1900"/>
+            <a:lvl4pPr marL="1425494" indent="0">
+              <a:buNone/>
+              <a:defRPr sz="2090"/>
             </a:lvl4pPr>
-            <a:lvl5pPr marL="1727715" indent="0">
-              <a:buNone/>
-              <a:defRPr sz="1900"/>
+            <a:lvl5pPr marL="1900659" indent="0">
+              <a:buNone/>
+              <a:defRPr sz="2090"/>
             </a:lvl5pPr>
-            <a:lvl6pPr marL="2159645" indent="0">
-              <a:buNone/>
-              <a:defRPr sz="1900"/>
+            <a:lvl6pPr marL="2375825" indent="0">
+              <a:buNone/>
+              <a:defRPr sz="2090"/>
             </a:lvl6pPr>
-            <a:lvl7pPr marL="2591574" indent="0">
-              <a:buNone/>
-              <a:defRPr sz="1900"/>
+            <a:lvl7pPr marL="2850991" indent="0">
+              <a:buNone/>
+              <a:defRPr sz="2090"/>
             </a:lvl7pPr>
-            <a:lvl8pPr marL="3023503" indent="0">
-              <a:buNone/>
-              <a:defRPr sz="1900"/>
+            <a:lvl8pPr marL="3326156" indent="0">
+              <a:buNone/>
+              <a:defRPr sz="2090"/>
             </a:lvl8pPr>
-            <a:lvl9pPr marL="3455431" indent="0">
-              <a:buNone/>
-              <a:defRPr sz="1900"/>
+            <a:lvl9pPr marL="3801320" indent="0">
+              <a:buNone/>
+              <a:defRPr sz="2090"/>
             </a:lvl9pPr>
           </a:lstStyle>
           <a:p>
@@ -2663,8 +3153,8 @@
         </p:nvSpPr>
         <p:spPr>
           <a:xfrm>
-            <a:off x="1764285" y="4226785"/>
-            <a:ext cx="5400675" cy="633830"/>
+            <a:off x="1552386" y="3691293"/>
+            <a:ext cx="4752023" cy="553530"/>
           </a:xfrm>
         </p:spPr>
         <p:txBody>
@@ -2672,39 +3162,39 @@
           <a:lstStyle>
             <a:lvl1pPr marL="0" indent="0">
               <a:buNone/>
-              <a:defRPr sz="1300"/>
+              <a:defRPr sz="1430"/>
             </a:lvl1pPr>
-            <a:lvl2pPr marL="431929" indent="0">
-              <a:buNone/>
-              <a:defRPr sz="1200"/>
+            <a:lvl2pPr marL="475165" indent="0">
+              <a:buNone/>
+              <a:defRPr sz="1320"/>
             </a:lvl2pPr>
-            <a:lvl3pPr marL="863858" indent="0">
-              <a:buNone/>
-              <a:defRPr sz="900"/>
+            <a:lvl3pPr marL="950330" indent="0">
+              <a:buNone/>
+              <a:defRPr sz="990"/>
             </a:lvl3pPr>
-            <a:lvl4pPr marL="1295786" indent="0">
-              <a:buNone/>
-              <a:defRPr sz="900"/>
+            <a:lvl4pPr marL="1425494" indent="0">
+              <a:buNone/>
+              <a:defRPr sz="990"/>
             </a:lvl4pPr>
-            <a:lvl5pPr marL="1727715" indent="0">
-              <a:buNone/>
-              <a:defRPr sz="900"/>
+            <a:lvl5pPr marL="1900659" indent="0">
+              <a:buNone/>
+              <a:defRPr sz="990"/>
             </a:lvl5pPr>
-            <a:lvl6pPr marL="2159645" indent="0">
-              <a:buNone/>
-              <a:defRPr sz="900"/>
+            <a:lvl6pPr marL="2375825" indent="0">
+              <a:buNone/>
+              <a:defRPr sz="990"/>
             </a:lvl6pPr>
-            <a:lvl7pPr marL="2591574" indent="0">
-              <a:buNone/>
-              <a:defRPr sz="900"/>
+            <a:lvl7pPr marL="2850991" indent="0">
+              <a:buNone/>
+              <a:defRPr sz="990"/>
             </a:lvl7pPr>
-            <a:lvl8pPr marL="3023503" indent="0">
-              <a:buNone/>
-              <a:defRPr sz="900"/>
+            <a:lvl8pPr marL="3326156" indent="0">
+              <a:buNone/>
+              <a:defRPr sz="990"/>
             </a:lvl8pPr>
-            <a:lvl9pPr marL="3455431" indent="0">
-              <a:buNone/>
-              <a:defRPr sz="900"/>
+            <a:lvl9pPr marL="3801320" indent="0">
+              <a:buNone/>
+              <a:defRPr sz="990"/>
             </a:lvl9pPr>
           </a:lstStyle>
           <a:p>
@@ -2734,7 +3224,7 @@
             <a:fld id="{93281789-98A6-4526-8BB2-AB6D89D147DD}" type="datetimeFigureOut">
               <a:rPr kumimoji="1" lang="ja-JP" altLang="en-US" smtClean="0"/>
               <a:pPr/>
-              <a:t>2012/6/13</a:t>
+              <a:t>2012/10/5</a:t>
             </a:fld>
             <a:endParaRPr kumimoji="1" lang="ja-JP" altLang="en-US"/>
           </a:p>
@@ -2825,8 +3315,8 @@
         </p:nvSpPr>
         <p:spPr>
           <a:xfrm>
-            <a:off x="450060" y="216280"/>
-            <a:ext cx="8101013" cy="900112"/>
+            <a:off x="396008" y="188881"/>
+            <a:ext cx="7128035" cy="786077"/>
           </a:xfrm>
           <a:prstGeom prst="rect">
             <a:avLst/>
@@ -2858,8 +3348,8 @@
         </p:nvSpPr>
         <p:spPr>
           <a:xfrm>
-            <a:off x="450060" y="1260164"/>
-            <a:ext cx="8101013" cy="3564195"/>
+            <a:off x="396008" y="1100516"/>
+            <a:ext cx="7128035" cy="3112647"/>
           </a:xfrm>
           <a:prstGeom prst="rect">
             <a:avLst/>
@@ -2952,8 +3442,8 @@
         </p:nvSpPr>
         <p:spPr>
           <a:xfrm>
-            <a:off x="450059" y="5005633"/>
-            <a:ext cx="2100264" cy="287536"/>
+            <a:off x="396005" y="4371469"/>
+            <a:ext cx="1848010" cy="251108"/>
           </a:xfrm>
           <a:prstGeom prst="rect">
             <a:avLst/>
@@ -2963,7 +3453,7 @@
           <a:bodyPr vert="horz" lIns="86386" tIns="43192" rIns="86386" bIns="43192" rtlCol="0" anchor="ctr"/>
           <a:lstStyle>
             <a:lvl1pPr algn="l">
-              <a:defRPr sz="1200">
+              <a:defRPr sz="1320">
                 <a:solidFill>
                   <a:schemeClr val="tx1">
                     <a:tint val="75000"/>
@@ -2976,7 +3466,7 @@
             <a:fld id="{93281789-98A6-4526-8BB2-AB6D89D147DD}" type="datetimeFigureOut">
               <a:rPr kumimoji="1" lang="ja-JP" altLang="en-US" smtClean="0"/>
               <a:pPr/>
-              <a:t>2012/6/13</a:t>
+              <a:t>2012/10/5</a:t>
             </a:fld>
             <a:endParaRPr kumimoji="1" lang="ja-JP" altLang="en-US"/>
           </a:p>
@@ -2994,8 +3484,8 @@
         </p:nvSpPr>
         <p:spPr>
           <a:xfrm>
-            <a:off x="3075386" y="5005633"/>
-            <a:ext cx="2850355" cy="287536"/>
+            <a:off x="2706018" y="4371469"/>
+            <a:ext cx="2508010" cy="251108"/>
           </a:xfrm>
           <a:prstGeom prst="rect">
             <a:avLst/>
@@ -3005,7 +3495,7 @@
           <a:bodyPr vert="horz" lIns="86386" tIns="43192" rIns="86386" bIns="43192" rtlCol="0" anchor="ctr"/>
           <a:lstStyle>
             <a:lvl1pPr algn="ctr">
-              <a:defRPr sz="1200">
+              <a:defRPr sz="1320">
                 <a:solidFill>
                   <a:schemeClr val="tx1">
                     <a:tint val="75000"/>
@@ -3031,8 +3521,8 @@
         </p:nvSpPr>
         <p:spPr>
           <a:xfrm>
-            <a:off x="6450808" y="5005633"/>
-            <a:ext cx="2100264" cy="287536"/>
+            <a:off x="5676029" y="4371469"/>
+            <a:ext cx="1848010" cy="251108"/>
           </a:xfrm>
           <a:prstGeom prst="rect">
             <a:avLst/>
@@ -3042,7 +3532,7 @@
           <a:bodyPr vert="horz" lIns="86386" tIns="43192" rIns="86386" bIns="43192" rtlCol="0" anchor="ctr"/>
           <a:lstStyle>
             <a:lvl1pPr algn="r">
-              <a:defRPr sz="1200">
+              <a:defRPr sz="1320">
                 <a:solidFill>
                   <a:schemeClr val="tx1">
                     <a:tint val="75000"/>
@@ -3079,12 +3569,12 @@
   </p:sldLayoutIdLst>
   <p:txStyles>
     <p:titleStyle>
-      <a:lvl1pPr algn="ctr" defTabSz="863858" rtl="0" eaLnBrk="1" latinLnBrk="0" hangingPunct="1">
+      <a:lvl1pPr algn="ctr" defTabSz="950330" rtl="0" eaLnBrk="1" latinLnBrk="0" hangingPunct="1">
         <a:spcBef>
           <a:spcPct val="0"/>
         </a:spcBef>
         <a:buNone/>
-        <a:defRPr kumimoji="1" sz="4100" kern="1200">
+        <a:defRPr kumimoji="1" sz="4510" kern="1200">
           <a:solidFill>
             <a:schemeClr val="tx1"/>
           </a:solidFill>
@@ -3095,13 +3585,13 @@
       </a:lvl1pPr>
     </p:titleStyle>
     <p:bodyStyle>
-      <a:lvl1pPr marL="323947" indent="-323947" algn="l" defTabSz="863858" rtl="0" eaLnBrk="1" latinLnBrk="0" hangingPunct="1">
+      <a:lvl1pPr marL="356374" indent="-356374" algn="l" defTabSz="950330" rtl="0" eaLnBrk="1" latinLnBrk="0" hangingPunct="1">
         <a:spcBef>
           <a:spcPct val="20000"/>
         </a:spcBef>
         <a:buFont typeface="Arial" pitchFamily="34" charset="0"/>
         <a:buChar char="•"/>
-        <a:defRPr kumimoji="1" sz="3000" kern="1200">
+        <a:defRPr kumimoji="1" sz="3300" kern="1200">
           <a:solidFill>
             <a:schemeClr val="tx1"/>
           </a:solidFill>
@@ -3110,13 +3600,13 @@
           <a:cs typeface="+mn-cs"/>
         </a:defRPr>
       </a:lvl1pPr>
-      <a:lvl2pPr marL="701884" indent="-269956" algn="l" defTabSz="863858" rtl="0" eaLnBrk="1" latinLnBrk="0" hangingPunct="1">
+      <a:lvl2pPr marL="772143" indent="-296979" algn="l" defTabSz="950330" rtl="0" eaLnBrk="1" latinLnBrk="0" hangingPunct="1">
         <a:spcBef>
           <a:spcPct val="20000"/>
         </a:spcBef>
         <a:buFont typeface="Arial" pitchFamily="34" charset="0"/>
         <a:buChar char="–"/>
-        <a:defRPr kumimoji="1" sz="2600" kern="1200">
+        <a:defRPr kumimoji="1" sz="2860" kern="1200">
           <a:solidFill>
             <a:schemeClr val="tx1"/>
           </a:solidFill>
@@ -3125,13 +3615,13 @@
           <a:cs typeface="+mn-cs"/>
         </a:defRPr>
       </a:lvl2pPr>
-      <a:lvl3pPr marL="1079822" indent="-215963" algn="l" defTabSz="863858" rtl="0" eaLnBrk="1" latinLnBrk="0" hangingPunct="1">
+      <a:lvl3pPr marL="1187912" indent="-237581" algn="l" defTabSz="950330" rtl="0" eaLnBrk="1" latinLnBrk="0" hangingPunct="1">
         <a:spcBef>
           <a:spcPct val="20000"/>
         </a:spcBef>
         <a:buFont typeface="Arial" pitchFamily="34" charset="0"/>
         <a:buChar char="•"/>
-        <a:defRPr kumimoji="1" sz="2200" kern="1200">
+        <a:defRPr kumimoji="1" sz="2420" kern="1200">
           <a:solidFill>
             <a:schemeClr val="tx1"/>
           </a:solidFill>
@@ -3140,13 +3630,13 @@
           <a:cs typeface="+mn-cs"/>
         </a:defRPr>
       </a:lvl3pPr>
-      <a:lvl4pPr marL="1511751" indent="-215963" algn="l" defTabSz="863858" rtl="0" eaLnBrk="1" latinLnBrk="0" hangingPunct="1">
+      <a:lvl4pPr marL="1663077" indent="-237581" algn="l" defTabSz="950330" rtl="0" eaLnBrk="1" latinLnBrk="0" hangingPunct="1">
         <a:spcBef>
           <a:spcPct val="20000"/>
         </a:spcBef>
         <a:buFont typeface="Arial" pitchFamily="34" charset="0"/>
         <a:buChar char="–"/>
-        <a:defRPr kumimoji="1" sz="1900" kern="1200">
+        <a:defRPr kumimoji="1" sz="2090" kern="1200">
           <a:solidFill>
             <a:schemeClr val="tx1"/>
           </a:solidFill>
@@ -3155,13 +3645,13 @@
           <a:cs typeface="+mn-cs"/>
         </a:defRPr>
       </a:lvl4pPr>
-      <a:lvl5pPr marL="1943680" indent="-215963" algn="l" defTabSz="863858" rtl="0" eaLnBrk="1" latinLnBrk="0" hangingPunct="1">
+      <a:lvl5pPr marL="2138242" indent="-237581" algn="l" defTabSz="950330" rtl="0" eaLnBrk="1" latinLnBrk="0" hangingPunct="1">
         <a:spcBef>
           <a:spcPct val="20000"/>
         </a:spcBef>
         <a:buFont typeface="Arial" pitchFamily="34" charset="0"/>
         <a:buChar char="»"/>
-        <a:defRPr kumimoji="1" sz="1900" kern="1200">
+        <a:defRPr kumimoji="1" sz="2090" kern="1200">
           <a:solidFill>
             <a:schemeClr val="tx1"/>
           </a:solidFill>
@@ -3170,13 +3660,13 @@
           <a:cs typeface="+mn-cs"/>
         </a:defRPr>
       </a:lvl5pPr>
-      <a:lvl6pPr marL="2375609" indent="-215963" algn="l" defTabSz="863858" rtl="0" eaLnBrk="1" latinLnBrk="0" hangingPunct="1">
+      <a:lvl6pPr marL="2613407" indent="-237581" algn="l" defTabSz="950330" rtl="0" eaLnBrk="1" latinLnBrk="0" hangingPunct="1">
         <a:spcBef>
           <a:spcPct val="20000"/>
         </a:spcBef>
         <a:buFont typeface="Arial" pitchFamily="34" charset="0"/>
         <a:buChar char="•"/>
-        <a:defRPr kumimoji="1" sz="1900" kern="1200">
+        <a:defRPr kumimoji="1" sz="2090" kern="1200">
           <a:solidFill>
             <a:schemeClr val="tx1"/>
           </a:solidFill>
@@ -3185,13 +3675,13 @@
           <a:cs typeface="+mn-cs"/>
         </a:defRPr>
       </a:lvl6pPr>
-      <a:lvl7pPr marL="2807537" indent="-215963" algn="l" defTabSz="863858" rtl="0" eaLnBrk="1" latinLnBrk="0" hangingPunct="1">
+      <a:lvl7pPr marL="3088571" indent="-237581" algn="l" defTabSz="950330" rtl="0" eaLnBrk="1" latinLnBrk="0" hangingPunct="1">
         <a:spcBef>
           <a:spcPct val="20000"/>
         </a:spcBef>
         <a:buFont typeface="Arial" pitchFamily="34" charset="0"/>
         <a:buChar char="•"/>
-        <a:defRPr kumimoji="1" sz="1900" kern="1200">
+        <a:defRPr kumimoji="1" sz="2090" kern="1200">
           <a:solidFill>
             <a:schemeClr val="tx1"/>
           </a:solidFill>
@@ -3200,13 +3690,13 @@
           <a:cs typeface="+mn-cs"/>
         </a:defRPr>
       </a:lvl7pPr>
-      <a:lvl8pPr marL="3239467" indent="-215963" algn="l" defTabSz="863858" rtl="0" eaLnBrk="1" latinLnBrk="0" hangingPunct="1">
+      <a:lvl8pPr marL="3563738" indent="-237581" algn="l" defTabSz="950330" rtl="0" eaLnBrk="1" latinLnBrk="0" hangingPunct="1">
         <a:spcBef>
           <a:spcPct val="20000"/>
         </a:spcBef>
         <a:buFont typeface="Arial" pitchFamily="34" charset="0"/>
         <a:buChar char="•"/>
-        <a:defRPr kumimoji="1" sz="1900" kern="1200">
+        <a:defRPr kumimoji="1" sz="2090" kern="1200">
           <a:solidFill>
             <a:schemeClr val="tx1"/>
           </a:solidFill>
@@ -3215,13 +3705,13 @@
           <a:cs typeface="+mn-cs"/>
         </a:defRPr>
       </a:lvl8pPr>
-      <a:lvl9pPr marL="3671395" indent="-215963" algn="l" defTabSz="863858" rtl="0" eaLnBrk="1" latinLnBrk="0" hangingPunct="1">
+      <a:lvl9pPr marL="4038902" indent="-237581" algn="l" defTabSz="950330" rtl="0" eaLnBrk="1" latinLnBrk="0" hangingPunct="1">
         <a:spcBef>
           <a:spcPct val="20000"/>
         </a:spcBef>
         <a:buFont typeface="Arial" pitchFamily="34" charset="0"/>
         <a:buChar char="•"/>
-        <a:defRPr kumimoji="1" sz="1900" kern="1200">
+        <a:defRPr kumimoji="1" sz="2090" kern="1200">
           <a:solidFill>
             <a:schemeClr val="tx1"/>
           </a:solidFill>
@@ -3235,8 +3725,8 @@
       <a:defPPr>
         <a:defRPr lang="ja-JP"/>
       </a:defPPr>
-      <a:lvl1pPr marL="0" algn="l" defTabSz="863858" rtl="0" eaLnBrk="1" latinLnBrk="0" hangingPunct="1">
-        <a:defRPr kumimoji="1" sz="1700" kern="1200">
+      <a:lvl1pPr marL="0" algn="l" defTabSz="950330" rtl="0" eaLnBrk="1" latinLnBrk="0" hangingPunct="1">
+        <a:defRPr kumimoji="1" sz="1870" kern="1200">
           <a:solidFill>
             <a:schemeClr val="tx1"/>
           </a:solidFill>
@@ -3245,8 +3735,8 @@
           <a:cs typeface="+mn-cs"/>
         </a:defRPr>
       </a:lvl1pPr>
-      <a:lvl2pPr marL="431929" algn="l" defTabSz="863858" rtl="0" eaLnBrk="1" latinLnBrk="0" hangingPunct="1">
-        <a:defRPr kumimoji="1" sz="1700" kern="1200">
+      <a:lvl2pPr marL="475165" algn="l" defTabSz="950330" rtl="0" eaLnBrk="1" latinLnBrk="0" hangingPunct="1">
+        <a:defRPr kumimoji="1" sz="1870" kern="1200">
           <a:solidFill>
             <a:schemeClr val="tx1"/>
           </a:solidFill>
@@ -3255,8 +3745,8 @@
           <a:cs typeface="+mn-cs"/>
         </a:defRPr>
       </a:lvl2pPr>
-      <a:lvl3pPr marL="863858" algn="l" defTabSz="863858" rtl="0" eaLnBrk="1" latinLnBrk="0" hangingPunct="1">
-        <a:defRPr kumimoji="1" sz="1700" kern="1200">
+      <a:lvl3pPr marL="950330" algn="l" defTabSz="950330" rtl="0" eaLnBrk="1" latinLnBrk="0" hangingPunct="1">
+        <a:defRPr kumimoji="1" sz="1870" kern="1200">
           <a:solidFill>
             <a:schemeClr val="tx1"/>
           </a:solidFill>
@@ -3265,8 +3755,8 @@
           <a:cs typeface="+mn-cs"/>
         </a:defRPr>
       </a:lvl3pPr>
-      <a:lvl4pPr marL="1295786" algn="l" defTabSz="863858" rtl="0" eaLnBrk="1" latinLnBrk="0" hangingPunct="1">
-        <a:defRPr kumimoji="1" sz="1700" kern="1200">
+      <a:lvl4pPr marL="1425494" algn="l" defTabSz="950330" rtl="0" eaLnBrk="1" latinLnBrk="0" hangingPunct="1">
+        <a:defRPr kumimoji="1" sz="1870" kern="1200">
           <a:solidFill>
             <a:schemeClr val="tx1"/>
           </a:solidFill>
@@ -3275,8 +3765,8 @@
           <a:cs typeface="+mn-cs"/>
         </a:defRPr>
       </a:lvl4pPr>
-      <a:lvl5pPr marL="1727715" algn="l" defTabSz="863858" rtl="0" eaLnBrk="1" latinLnBrk="0" hangingPunct="1">
-        <a:defRPr kumimoji="1" sz="1700" kern="1200">
+      <a:lvl5pPr marL="1900659" algn="l" defTabSz="950330" rtl="0" eaLnBrk="1" latinLnBrk="0" hangingPunct="1">
+        <a:defRPr kumimoji="1" sz="1870" kern="1200">
           <a:solidFill>
             <a:schemeClr val="tx1"/>
           </a:solidFill>
@@ -3285,8 +3775,8 @@
           <a:cs typeface="+mn-cs"/>
         </a:defRPr>
       </a:lvl5pPr>
-      <a:lvl6pPr marL="2159645" algn="l" defTabSz="863858" rtl="0" eaLnBrk="1" latinLnBrk="0" hangingPunct="1">
-        <a:defRPr kumimoji="1" sz="1700" kern="1200">
+      <a:lvl6pPr marL="2375825" algn="l" defTabSz="950330" rtl="0" eaLnBrk="1" latinLnBrk="0" hangingPunct="1">
+        <a:defRPr kumimoji="1" sz="1870" kern="1200">
           <a:solidFill>
             <a:schemeClr val="tx1"/>
           </a:solidFill>
@@ -3295,8 +3785,8 @@
           <a:cs typeface="+mn-cs"/>
         </a:defRPr>
       </a:lvl6pPr>
-      <a:lvl7pPr marL="2591574" algn="l" defTabSz="863858" rtl="0" eaLnBrk="1" latinLnBrk="0" hangingPunct="1">
-        <a:defRPr kumimoji="1" sz="1700" kern="1200">
+      <a:lvl7pPr marL="2850991" algn="l" defTabSz="950330" rtl="0" eaLnBrk="1" latinLnBrk="0" hangingPunct="1">
+        <a:defRPr kumimoji="1" sz="1870" kern="1200">
           <a:solidFill>
             <a:schemeClr val="tx1"/>
           </a:solidFill>
@@ -3305,8 +3795,8 @@
           <a:cs typeface="+mn-cs"/>
         </a:defRPr>
       </a:lvl7pPr>
-      <a:lvl8pPr marL="3023503" algn="l" defTabSz="863858" rtl="0" eaLnBrk="1" latinLnBrk="0" hangingPunct="1">
-        <a:defRPr kumimoji="1" sz="1700" kern="1200">
+      <a:lvl8pPr marL="3326156" algn="l" defTabSz="950330" rtl="0" eaLnBrk="1" latinLnBrk="0" hangingPunct="1">
+        <a:defRPr kumimoji="1" sz="1870" kern="1200">
           <a:solidFill>
             <a:schemeClr val="tx1"/>
           </a:solidFill>
@@ -3315,8 +3805,8 @@
           <a:cs typeface="+mn-cs"/>
         </a:defRPr>
       </a:lvl8pPr>
-      <a:lvl9pPr marL="3455431" algn="l" defTabSz="863858" rtl="0" eaLnBrk="1" latinLnBrk="0" hangingPunct="1">
-        <a:defRPr kumimoji="1" sz="1700" kern="1200">
+      <a:lvl9pPr marL="3801320" algn="l" defTabSz="950330" rtl="0" eaLnBrk="1" latinLnBrk="0" hangingPunct="1">
+        <a:defRPr kumimoji="1" sz="1870" kern="1200">
           <a:solidFill>
             <a:schemeClr val="tx1"/>
           </a:solidFill>
@@ -3349,13 +3839,13 @@
       </p:grpSpPr>
       <p:sp>
         <p:nvSpPr>
-          <p:cNvPr id="103" name="正方形/長方形 102"/>
+          <p:cNvPr id="47" name="正方形/長方形 46"/>
           <p:cNvSpPr/>
           <p:nvPr/>
         </p:nvSpPr>
         <p:spPr>
           <a:xfrm>
-            <a:off x="1890272" y="803535"/>
+            <a:off x="1367730" y="639671"/>
             <a:ext cx="5142938" cy="302994"/>
           </a:xfrm>
           <a:prstGeom prst="rect">
@@ -3391,14 +3881,7 @@
                 <a:latin typeface="Times New Roman" pitchFamily="18" charset="0"/>
                 <a:cs typeface="Times New Roman" pitchFamily="18" charset="0"/>
               </a:rPr>
-              <a:t>CPS </a:t>
-            </a:r>
-            <a:r>
-              <a:rPr lang="en-US" altLang="ja-JP" sz="2000" b="1" dirty="0" smtClean="0">
-                <a:latin typeface="Times New Roman" pitchFamily="18" charset="0"/>
-                <a:cs typeface="Times New Roman" pitchFamily="18" charset="0"/>
-              </a:rPr>
-              <a:t>transformation (Section 4.2)</a:t>
+              <a:t>CPS transformation (Section 4.2)</a:t>
             </a:r>
             <a:endParaRPr lang="ja-JP" altLang="en-US" sz="2000" b="1" dirty="0">
               <a:latin typeface="Times New Roman" pitchFamily="18" charset="0"/>
@@ -3409,22 +3892,22 @@
       </p:sp>
       <p:cxnSp>
         <p:nvCxnSpPr>
-          <p:cNvPr id="104" name="直線矢印コネクタ 103"/>
+          <p:cNvPr id="48" name="直線矢印コネクタ 47"/>
           <p:cNvCxnSpPr>
-            <a:stCxn id="105" idx="2"/>
-            <a:endCxn id="103" idx="0"/>
+            <a:stCxn id="49" idx="2"/>
+            <a:endCxn id="47" idx="0"/>
           </p:cNvCxnSpPr>
           <p:nvPr/>
         </p:nvCxnSpPr>
         <p:spPr>
           <a:xfrm flipH="1">
-            <a:off x="4461741" y="530465"/>
-            <a:ext cx="1" cy="273070"/>
+            <a:off x="3939199" y="486023"/>
+            <a:ext cx="1" cy="153648"/>
           </a:xfrm>
           <a:prstGeom prst="straightConnector1">
             <a:avLst/>
           </a:prstGeom>
-          <a:ln>
+          <a:ln w="50800">
             <a:tailEnd type="none"/>
           </a:ln>
           <a:effectLst/>
@@ -3446,13 +3929,13 @@
       </p:cxnSp>
       <p:sp>
         <p:nvSpPr>
-          <p:cNvPr id="105" name="角丸四角形 104"/>
+          <p:cNvPr id="49" name="角丸四角形 48"/>
           <p:cNvSpPr/>
           <p:nvPr/>
         </p:nvSpPr>
         <p:spPr>
           <a:xfrm>
-            <a:off x="1044179" y="98417"/>
+            <a:off x="521637" y="53975"/>
             <a:ext cx="6835126" cy="432048"/>
           </a:xfrm>
           <a:prstGeom prst="roundRect">
@@ -3538,13 +4021,13 @@
       </p:sp>
       <p:sp>
         <p:nvSpPr>
-          <p:cNvPr id="106" name="角丸四角形 105"/>
+          <p:cNvPr id="50" name="角丸四角形 49"/>
           <p:cNvSpPr/>
           <p:nvPr/>
         </p:nvSpPr>
         <p:spPr>
           <a:xfrm>
-            <a:off x="1044179" y="1394561"/>
+            <a:off x="521637" y="1215735"/>
             <a:ext cx="6835126" cy="432048"/>
           </a:xfrm>
           <a:prstGeom prst="roundRect">
@@ -3650,13 +4133,13 @@
       </p:sp>
       <p:sp>
         <p:nvSpPr>
-          <p:cNvPr id="107" name="角丸四角形 106"/>
+          <p:cNvPr id="51" name="角丸四角形 50"/>
           <p:cNvSpPr/>
           <p:nvPr/>
         </p:nvSpPr>
         <p:spPr>
           <a:xfrm>
-            <a:off x="1044179" y="2762713"/>
+            <a:off x="521637" y="2367863"/>
             <a:ext cx="6835126" cy="432048"/>
           </a:xfrm>
           <a:prstGeom prst="roundRect">
@@ -3742,22 +4225,22 @@
       </p:sp>
       <p:cxnSp>
         <p:nvCxnSpPr>
-          <p:cNvPr id="108" name="直線矢印コネクタ 107"/>
+          <p:cNvPr id="52" name="直線矢印コネクタ 51"/>
           <p:cNvCxnSpPr>
-            <a:stCxn id="103" idx="2"/>
-            <a:endCxn id="106" idx="0"/>
+            <a:stCxn id="47" idx="2"/>
+            <a:endCxn id="50" idx="0"/>
           </p:cNvCxnSpPr>
           <p:nvPr/>
         </p:nvCxnSpPr>
         <p:spPr>
           <a:xfrm>
-            <a:off x="4461741" y="1106529"/>
-            <a:ext cx="1" cy="288032"/>
+            <a:off x="3939199" y="942665"/>
+            <a:ext cx="1" cy="273070"/>
           </a:xfrm>
           <a:prstGeom prst="straightConnector1">
             <a:avLst/>
           </a:prstGeom>
-          <a:ln>
+          <a:ln w="50800">
             <a:tailEnd type="arrow"/>
           </a:ln>
           <a:effectLst/>
@@ -3779,22 +4262,22 @@
       </p:cxnSp>
       <p:cxnSp>
         <p:nvCxnSpPr>
-          <p:cNvPr id="109" name="直線矢印コネクタ 108"/>
+          <p:cNvPr id="53" name="直線矢印コネクタ 52"/>
           <p:cNvCxnSpPr>
-            <a:stCxn id="106" idx="2"/>
-            <a:endCxn id="110" idx="0"/>
+            <a:stCxn id="50" idx="2"/>
+            <a:endCxn id="54" idx="0"/>
           </p:cNvCxnSpPr>
           <p:nvPr/>
         </p:nvCxnSpPr>
         <p:spPr>
           <a:xfrm>
-            <a:off x="4461742" y="1826609"/>
-            <a:ext cx="0" cy="288032"/>
+            <a:off x="3939200" y="1647783"/>
+            <a:ext cx="0" cy="144016"/>
           </a:xfrm>
           <a:prstGeom prst="straightConnector1">
             <a:avLst/>
           </a:prstGeom>
-          <a:ln>
+          <a:ln w="50800">
             <a:tailEnd type="none"/>
           </a:ln>
           <a:effectLst/>
@@ -3816,14 +4299,14 @@
       </p:cxnSp>
       <p:sp>
         <p:nvSpPr>
-          <p:cNvPr id="110" name="正方形/長方形 109"/>
+          <p:cNvPr id="54" name="正方形/長方形 53"/>
           <p:cNvSpPr/>
           <p:nvPr/>
         </p:nvSpPr>
         <p:spPr>
           <a:xfrm>
-            <a:off x="192450" y="2114641"/>
-            <a:ext cx="8538583" cy="302996"/>
+            <a:off x="161597" y="1791799"/>
+            <a:ext cx="7555206" cy="302996"/>
           </a:xfrm>
           <a:prstGeom prst="rect">
             <a:avLst/>
@@ -3858,14 +4341,7 @@
                 <a:latin typeface="Times New Roman" pitchFamily="18" charset="0"/>
                 <a:cs typeface="Times New Roman" pitchFamily="18" charset="0"/>
               </a:rPr>
-              <a:t>Encoding recursive data structures as functions on </a:t>
-            </a:r>
-            <a:r>
-              <a:rPr lang="en-US" altLang="ja-JP" sz="2000" b="1" dirty="0" smtClean="0">
-                <a:latin typeface="Times New Roman" pitchFamily="18" charset="0"/>
-                <a:cs typeface="Times New Roman" pitchFamily="18" charset="0"/>
-              </a:rPr>
-              <a:t>lists (Section 4.1)</a:t>
+              <a:t>Encoding recursive data structures as functions on lists (Section 4.1)</a:t>
             </a:r>
             <a:endParaRPr lang="ja-JP" altLang="en-US" sz="2000" b="1" dirty="0">
               <a:latin typeface="Times New Roman" pitchFamily="18" charset="0"/>
@@ -3876,22 +4352,22 @@
       </p:sp>
       <p:cxnSp>
         <p:nvCxnSpPr>
-          <p:cNvPr id="111" name="直線矢印コネクタ 110"/>
+          <p:cNvPr id="55" name="直線矢印コネクタ 54"/>
           <p:cNvCxnSpPr>
-            <a:stCxn id="110" idx="2"/>
-            <a:endCxn id="107" idx="0"/>
+            <a:stCxn id="54" idx="2"/>
+            <a:endCxn id="51" idx="0"/>
           </p:cNvCxnSpPr>
           <p:nvPr/>
         </p:nvCxnSpPr>
         <p:spPr>
           <a:xfrm>
-            <a:off x="4461742" y="2417637"/>
-            <a:ext cx="0" cy="345076"/>
+            <a:off x="3939200" y="2094795"/>
+            <a:ext cx="0" cy="273068"/>
           </a:xfrm>
           <a:prstGeom prst="straightConnector1">
             <a:avLst/>
           </a:prstGeom>
-          <a:ln>
+          <a:ln w="50800">
             <a:tailEnd type="arrow"/>
           </a:ln>
           <a:effectLst/>
@@ -3913,22 +4389,22 @@
       </p:cxnSp>
       <p:cxnSp>
         <p:nvCxnSpPr>
-          <p:cNvPr id="112" name="直線矢印コネクタ 111"/>
+          <p:cNvPr id="56" name="直線矢印コネクタ 55"/>
           <p:cNvCxnSpPr>
-            <a:stCxn id="107" idx="2"/>
-            <a:endCxn id="115" idx="0"/>
+            <a:stCxn id="51" idx="2"/>
+            <a:endCxn id="57" idx="0"/>
           </p:cNvCxnSpPr>
           <p:nvPr/>
         </p:nvCxnSpPr>
         <p:spPr>
           <a:xfrm flipH="1">
-            <a:off x="4461741" y="3194761"/>
-            <a:ext cx="1" cy="288032"/>
+            <a:off x="3939199" y="2799911"/>
+            <a:ext cx="1" cy="144016"/>
           </a:xfrm>
           <a:prstGeom prst="straightConnector1">
             <a:avLst/>
           </a:prstGeom>
-          <a:ln>
+          <a:ln w="50800">
             <a:tailEnd type="none"/>
           </a:ln>
           <a:effectLst/>
@@ -3950,13 +4426,13 @@
       </p:cxnSp>
       <p:sp>
         <p:nvSpPr>
-          <p:cNvPr id="115" name="正方形/長方形 114"/>
+          <p:cNvPr id="57" name="正方形/長方形 56"/>
           <p:cNvSpPr/>
           <p:nvPr/>
         </p:nvSpPr>
         <p:spPr>
           <a:xfrm>
-            <a:off x="684138" y="3482793"/>
+            <a:off x="161596" y="2943927"/>
             <a:ext cx="7555206" cy="360040"/>
           </a:xfrm>
           <a:prstGeom prst="rect">
@@ -4017,22 +4493,22 @@
       </p:sp>
       <p:cxnSp>
         <p:nvCxnSpPr>
-          <p:cNvPr id="116" name="直線矢印コネクタ 115"/>
+          <p:cNvPr id="58" name="直線矢印コネクタ 57"/>
           <p:cNvCxnSpPr>
-            <a:stCxn id="115" idx="2"/>
-            <a:endCxn id="117" idx="0"/>
+            <a:stCxn id="57" idx="2"/>
+            <a:endCxn id="59" idx="0"/>
           </p:cNvCxnSpPr>
           <p:nvPr/>
         </p:nvCxnSpPr>
         <p:spPr>
           <a:xfrm>
-            <a:off x="4461741" y="3842833"/>
-            <a:ext cx="1" cy="360040"/>
+            <a:off x="3939199" y="3303967"/>
+            <a:ext cx="1" cy="288032"/>
           </a:xfrm>
           <a:prstGeom prst="straightConnector1">
             <a:avLst/>
           </a:prstGeom>
-          <a:ln>
+          <a:ln w="50800">
             <a:tailEnd type="arrow"/>
           </a:ln>
           <a:effectLst/>
@@ -4054,13 +4530,13 @@
       </p:cxnSp>
       <p:sp>
         <p:nvSpPr>
-          <p:cNvPr id="117" name="角丸四角形 116"/>
+          <p:cNvPr id="59" name="角丸四角形 58"/>
           <p:cNvSpPr/>
           <p:nvPr/>
         </p:nvSpPr>
         <p:spPr>
           <a:xfrm>
-            <a:off x="1044179" y="4202873"/>
+            <a:off x="521637" y="3591999"/>
             <a:ext cx="6835126" cy="432048"/>
           </a:xfrm>
           <a:prstGeom prst="roundRect">
@@ -4139,13 +4615,13 @@
       </p:sp>
       <p:sp>
         <p:nvSpPr>
-          <p:cNvPr id="118" name="正方形/長方形 117"/>
+          <p:cNvPr id="60" name="正方形/長方形 59"/>
           <p:cNvSpPr/>
           <p:nvPr/>
         </p:nvSpPr>
         <p:spPr>
           <a:xfrm>
-            <a:off x="1799991" y="4994961"/>
+            <a:off x="1277449" y="4312079"/>
             <a:ext cx="5323500" cy="360040"/>
           </a:xfrm>
           <a:prstGeom prst="rect">
@@ -4192,22 +4668,22 @@
       </p:sp>
       <p:cxnSp>
         <p:nvCxnSpPr>
-          <p:cNvPr id="119" name="直線矢印コネクタ 118"/>
+          <p:cNvPr id="61" name="直線矢印コネクタ 60"/>
           <p:cNvCxnSpPr>
-            <a:stCxn id="117" idx="2"/>
-            <a:endCxn id="118" idx="0"/>
+            <a:stCxn id="59" idx="2"/>
+            <a:endCxn id="60" idx="0"/>
           </p:cNvCxnSpPr>
           <p:nvPr/>
         </p:nvCxnSpPr>
         <p:spPr>
           <a:xfrm flipH="1">
-            <a:off x="4461741" y="4634921"/>
-            <a:ext cx="1" cy="360040"/>
+            <a:off x="3939199" y="4024047"/>
+            <a:ext cx="1" cy="288032"/>
           </a:xfrm>
           <a:prstGeom prst="straightConnector1">
             <a:avLst/>
           </a:prstGeom>
-          <a:ln>
+          <a:ln w="50800">
             <a:tailEnd type="arrow"/>
           </a:ln>
           <a:effectLst/>
@@ -4237,6 +4713,13 @@
   <p:clrMapOvr>
     <a:masterClrMapping/>
   </p:clrMapOvr>
+  <p:timing>
+    <p:tnLst>
+      <p:par>
+        <p:cTn id="1" dur="indefinite" restart="never" nodeType="tmRoot"/>
+      </p:par>
+    </p:tnLst>
+  </p:timing>
 </p:sld>
 </file>
 
@@ -4521,4 +5004,265 @@
   <a:objectDefaults/>
   <a:extraClrSchemeLst/>
 </a:theme>
+</file>
+
+<file path=ppt/theme/theme2.xml><?xml version="1.0" encoding="utf-8"?>
+<a:theme xmlns:a="http://schemas.openxmlformats.org/drawingml/2006/main" name="Office テーマ">
+  <a:themeElements>
+    <a:clrScheme name="Office">
+      <a:dk1>
+        <a:sysClr val="windowText" lastClr="000000"/>
+      </a:dk1>
+      <a:lt1>
+        <a:sysClr val="window" lastClr="FFFFFF"/>
+      </a:lt1>
+      <a:dk2>
+        <a:srgbClr val="44546A"/>
+      </a:dk2>
+      <a:lt2>
+        <a:srgbClr val="E7E6E6"/>
+      </a:lt2>
+      <a:accent1>
+        <a:srgbClr val="5B9BD5"/>
+      </a:accent1>
+      <a:accent2>
+        <a:srgbClr val="ED7D31"/>
+      </a:accent2>
+      <a:accent3>
+        <a:srgbClr val="A5A5A5"/>
+      </a:accent3>
+      <a:accent4>
+        <a:srgbClr val="FFC000"/>
+      </a:accent4>
+      <a:accent5>
+        <a:srgbClr val="4472C4"/>
+      </a:accent5>
+      <a:accent6>
+        <a:srgbClr val="70AD47"/>
+      </a:accent6>
+      <a:hlink>
+        <a:srgbClr val="0563C1"/>
+      </a:hlink>
+      <a:folHlink>
+        <a:srgbClr val="954F72"/>
+      </a:folHlink>
+    </a:clrScheme>
+    <a:fontScheme name="Office">
+      <a:majorFont>
+        <a:latin typeface="Calibri Light" panose="020F0302020204030204"/>
+        <a:ea typeface=""/>
+        <a:cs typeface=""/>
+        <a:font script="Jpan" typeface="ＭＳ ゴシック"/>
+        <a:font script="Hang" typeface="맑은 고딕"/>
+        <a:font script="Hans" typeface="宋体"/>
+        <a:font script="Hant" typeface="新細明體"/>
+        <a:font script="Arab" typeface="Tahoma"/>
+        <a:font script="Hebr" typeface="Gisha"/>
+        <a:font script="Thai" typeface="DilleniaUPC"/>
+        <a:font script="Ethi" typeface="Nyala"/>
+        <a:font script="Beng" typeface="Vrinda"/>
+        <a:font script="Gujr" typeface="Shruti"/>
+        <a:font script="Khmr" typeface="DaunPenh"/>
+        <a:font script="Knda" typeface="Tunga"/>
+        <a:font script="Guru" typeface="Raavi"/>
+        <a:font script="Cans" typeface="Euphemia"/>
+        <a:font script="Cher" typeface="Plantagenet Cherokee"/>
+        <a:font script="Yiii" typeface="Microsoft Yi Baiti"/>
+        <a:font script="Tibt" typeface="Microsoft Himalaya"/>
+        <a:font script="Thaa" typeface="MV Boli"/>
+        <a:font script="Deva" typeface="Mangal"/>
+        <a:font script="Telu" typeface="Gautami"/>
+        <a:font script="Taml" typeface="Latha"/>
+        <a:font script="Syrc" typeface="Estrangelo Edessa"/>
+        <a:font script="Orya" typeface="Kalinga"/>
+        <a:font script="Mlym" typeface="Kartika"/>
+        <a:font script="Laoo" typeface="DokChampa"/>
+        <a:font script="Sinh" typeface="Iskoola Pota"/>
+        <a:font script="Mong" typeface="Mongolian Baiti"/>
+        <a:font script="Viet" typeface="Tahoma"/>
+        <a:font script="Uigh" typeface="Microsoft Uighur"/>
+        <a:font script="Geor" typeface="Sylfaen"/>
+      </a:majorFont>
+      <a:minorFont>
+        <a:latin typeface="Calibri" panose="020F0502020204030204"/>
+        <a:ea typeface=""/>
+        <a:cs typeface=""/>
+        <a:font script="Jpan" typeface="ＭＳ ゴシック"/>
+        <a:font script="Hang" typeface="맑은 고딕"/>
+        <a:font script="Hans" typeface="宋体"/>
+        <a:font script="Hant" typeface="新細明體"/>
+        <a:font script="Arab" typeface="Tahoma"/>
+        <a:font script="Hebr" typeface="Gisha"/>
+        <a:font script="Thai" typeface="DilleniaUPC"/>
+        <a:font script="Ethi" typeface="Nyala"/>
+        <a:font script="Beng" typeface="Vrinda"/>
+        <a:font script="Gujr" typeface="Shruti"/>
+        <a:font script="Khmr" typeface="DaunPenh"/>
+        <a:font script="Knda" typeface="Tunga"/>
+        <a:font script="Guru" typeface="Raavi"/>
+        <a:font script="Cans" typeface="Euphemia"/>
+        <a:font script="Cher" typeface="Plantagenet Cherokee"/>
+        <a:font script="Yiii" typeface="Microsoft Yi Baiti"/>
+        <a:font script="Tibt" typeface="Microsoft Himalaya"/>
+        <a:font script="Thaa" typeface="MV Boli"/>
+        <a:font script="Deva" typeface="Mangal"/>
+        <a:font script="Telu" typeface="Gautami"/>
+        <a:font script="Taml" typeface="Latha"/>
+        <a:font script="Syrc" typeface="Estrangelo Edessa"/>
+        <a:font script="Orya" typeface="Kalinga"/>
+        <a:font script="Mlym" typeface="Kartika"/>
+        <a:font script="Laoo" typeface="DokChampa"/>
+        <a:font script="Sinh" typeface="Iskoola Pota"/>
+        <a:font script="Mong" typeface="Mongolian Baiti"/>
+        <a:font script="Viet" typeface="Verdana"/>
+        <a:font script="Uigh" typeface="Microsoft Uighur"/>
+        <a:font script="Geor" typeface="Sylfaen"/>
+      </a:minorFont>
+    </a:fontScheme>
+    <a:fmtScheme name="Office">
+      <a:fillStyleLst>
+        <a:solidFill>
+          <a:schemeClr val="phClr"/>
+        </a:solidFill>
+        <a:gradFill rotWithShape="1">
+          <a:gsLst>
+            <a:gs pos="0">
+              <a:schemeClr val="phClr">
+                <a:lumMod val="110000"/>
+                <a:satMod val="105000"/>
+                <a:tint val="67000"/>
+              </a:schemeClr>
+            </a:gs>
+            <a:gs pos="50000">
+              <a:schemeClr val="phClr">
+                <a:lumMod val="105000"/>
+                <a:satMod val="103000"/>
+                <a:tint val="73000"/>
+              </a:schemeClr>
+            </a:gs>
+            <a:gs pos="100000">
+              <a:schemeClr val="phClr">
+                <a:lumMod val="105000"/>
+                <a:satMod val="109000"/>
+                <a:tint val="81000"/>
+              </a:schemeClr>
+            </a:gs>
+          </a:gsLst>
+          <a:lin ang="5400000" scaled="0"/>
+        </a:gradFill>
+        <a:gradFill rotWithShape="1">
+          <a:gsLst>
+            <a:gs pos="0">
+              <a:schemeClr val="phClr">
+                <a:satMod val="103000"/>
+                <a:lumMod val="102000"/>
+                <a:tint val="94000"/>
+              </a:schemeClr>
+            </a:gs>
+            <a:gs pos="50000">
+              <a:schemeClr val="phClr">
+                <a:satMod val="110000"/>
+                <a:lumMod val="100000"/>
+                <a:shade val="100000"/>
+              </a:schemeClr>
+            </a:gs>
+            <a:gs pos="100000">
+              <a:schemeClr val="phClr">
+                <a:lumMod val="99000"/>
+                <a:satMod val="120000"/>
+                <a:shade val="78000"/>
+              </a:schemeClr>
+            </a:gs>
+          </a:gsLst>
+          <a:lin ang="5400000" scaled="0"/>
+        </a:gradFill>
+      </a:fillStyleLst>
+      <a:lnStyleLst>
+        <a:ln w="6350" cap="flat" cmpd="sng" algn="ctr">
+          <a:solidFill>
+            <a:schemeClr val="phClr"/>
+          </a:solidFill>
+          <a:prstDash val="solid"/>
+          <a:miter lim="800000"/>
+        </a:ln>
+        <a:ln w="12700" cap="flat" cmpd="sng" algn="ctr">
+          <a:solidFill>
+            <a:schemeClr val="phClr"/>
+          </a:solidFill>
+          <a:prstDash val="solid"/>
+          <a:miter lim="800000"/>
+        </a:ln>
+        <a:ln w="19050" cap="flat" cmpd="sng" algn="ctr">
+          <a:solidFill>
+            <a:schemeClr val="phClr"/>
+          </a:solidFill>
+          <a:prstDash val="solid"/>
+          <a:miter lim="800000"/>
+        </a:ln>
+      </a:lnStyleLst>
+      <a:effectStyleLst>
+        <a:effectStyle>
+          <a:effectLst/>
+        </a:effectStyle>
+        <a:effectStyle>
+          <a:effectLst/>
+        </a:effectStyle>
+        <a:effectStyle>
+          <a:effectLst>
+            <a:outerShdw blurRad="57150" dist="19050" dir="5400000" algn="ctr" rotWithShape="0">
+              <a:srgbClr val="000000">
+                <a:alpha val="63000"/>
+              </a:srgbClr>
+            </a:outerShdw>
+          </a:effectLst>
+        </a:effectStyle>
+      </a:effectStyleLst>
+      <a:bgFillStyleLst>
+        <a:solidFill>
+          <a:schemeClr val="phClr"/>
+        </a:solidFill>
+        <a:solidFill>
+          <a:schemeClr val="phClr">
+            <a:tint val="95000"/>
+            <a:satMod val="170000"/>
+          </a:schemeClr>
+        </a:solidFill>
+        <a:gradFill rotWithShape="1">
+          <a:gsLst>
+            <a:gs pos="0">
+              <a:schemeClr val="phClr">
+                <a:tint val="93000"/>
+                <a:satMod val="150000"/>
+                <a:shade val="98000"/>
+                <a:lumMod val="102000"/>
+              </a:schemeClr>
+            </a:gs>
+            <a:gs pos="50000">
+              <a:schemeClr val="phClr">
+                <a:tint val="98000"/>
+                <a:satMod val="130000"/>
+                <a:shade val="90000"/>
+                <a:lumMod val="103000"/>
+              </a:schemeClr>
+            </a:gs>
+            <a:gs pos="100000">
+              <a:schemeClr val="phClr">
+                <a:shade val="63000"/>
+                <a:satMod val="120000"/>
+              </a:schemeClr>
+            </a:gs>
+          </a:gsLst>
+          <a:lin ang="5400000" scaled="0"/>
+        </a:gradFill>
+      </a:bgFillStyleLst>
+    </a:fmtScheme>
+  </a:themeElements>
+  <a:objectDefaults/>
+  <a:extraClrSchemeLst/>
+  <a:extLst>
+    <a:ext uri="{05A4C25C-085E-4340-85A3-A5531E510DB2}">
+      <thm15:themeFamily xmlns:thm15="http://schemas.microsoft.com/office/thememl/2012/main" name="Office Theme" id="{62F939B6-93AF-4DB8-9C6B-D6C7DFDC589F}" vid="{4A3C46E8-61CC-4603-A589-7422A47A8E4A}"/>
+    </a:ext>
+  </a:extLst>
+</a:theme>
 </file>